--- a/MICHEL & CO.pptx
+++ b/MICHEL & CO.pptx
@@ -6,7 +6,11 @@
   </p:sldMasterIdLst>
   <p:sldIdLst>
     <p:sldId id="256" r:id="rId2"/>
-    <p:sldId id="257" r:id="rId3"/>
+    <p:sldId id="258" r:id="rId3"/>
+    <p:sldId id="259" r:id="rId4"/>
+    <p:sldId id="260" r:id="rId5"/>
+    <p:sldId id="261" r:id="rId6"/>
+    <p:sldId id="262" r:id="rId7"/>
   </p:sldIdLst>
   <p:sldSz cx="9144000" cy="6858000" type="screen4x3"/>
   <p:notesSz cx="6858000" cy="9144000"/>
@@ -289,7 +293,7 @@
           <a:p>
             <a:fld id="{12BBFE04-C0A0-4C31-9DB9-B72E335F5A7F}" type="datetimeFigureOut">
               <a:rPr lang="es-ES" smtClean="0"/>
-              <a:t>10/06/2024</a:t>
+              <a:t>11/06/2024</a:t>
             </a:fld>
             <a:endParaRPr lang="es-ES"/>
           </a:p>
@@ -459,7 +463,7 @@
           <a:p>
             <a:fld id="{12BBFE04-C0A0-4C31-9DB9-B72E335F5A7F}" type="datetimeFigureOut">
               <a:rPr lang="es-ES" smtClean="0"/>
-              <a:t>10/06/2024</a:t>
+              <a:t>11/06/2024</a:t>
             </a:fld>
             <a:endParaRPr lang="es-ES"/>
           </a:p>
@@ -639,7 +643,7 @@
           <a:p>
             <a:fld id="{12BBFE04-C0A0-4C31-9DB9-B72E335F5A7F}" type="datetimeFigureOut">
               <a:rPr lang="es-ES" smtClean="0"/>
-              <a:t>10/06/2024</a:t>
+              <a:t>11/06/2024</a:t>
             </a:fld>
             <a:endParaRPr lang="es-ES"/>
           </a:p>
@@ -809,7 +813,7 @@
           <a:p>
             <a:fld id="{12BBFE04-C0A0-4C31-9DB9-B72E335F5A7F}" type="datetimeFigureOut">
               <a:rPr lang="es-ES" smtClean="0"/>
-              <a:t>10/06/2024</a:t>
+              <a:t>11/06/2024</a:t>
             </a:fld>
             <a:endParaRPr lang="es-ES"/>
           </a:p>
@@ -1055,7 +1059,7 @@
           <a:p>
             <a:fld id="{12BBFE04-C0A0-4C31-9DB9-B72E335F5A7F}" type="datetimeFigureOut">
               <a:rPr lang="es-ES" smtClean="0"/>
-              <a:t>10/06/2024</a:t>
+              <a:t>11/06/2024</a:t>
             </a:fld>
             <a:endParaRPr lang="es-ES"/>
           </a:p>
@@ -1343,7 +1347,7 @@
           <a:p>
             <a:fld id="{12BBFE04-C0A0-4C31-9DB9-B72E335F5A7F}" type="datetimeFigureOut">
               <a:rPr lang="es-ES" smtClean="0"/>
-              <a:t>10/06/2024</a:t>
+              <a:t>11/06/2024</a:t>
             </a:fld>
             <a:endParaRPr lang="es-ES"/>
           </a:p>
@@ -1765,7 +1769,7 @@
           <a:p>
             <a:fld id="{12BBFE04-C0A0-4C31-9DB9-B72E335F5A7F}" type="datetimeFigureOut">
               <a:rPr lang="es-ES" smtClean="0"/>
-              <a:t>10/06/2024</a:t>
+              <a:t>11/06/2024</a:t>
             </a:fld>
             <a:endParaRPr lang="es-ES"/>
           </a:p>
@@ -1883,7 +1887,7 @@
           <a:p>
             <a:fld id="{12BBFE04-C0A0-4C31-9DB9-B72E335F5A7F}" type="datetimeFigureOut">
               <a:rPr lang="es-ES" smtClean="0"/>
-              <a:t>10/06/2024</a:t>
+              <a:t>11/06/2024</a:t>
             </a:fld>
             <a:endParaRPr lang="es-ES"/>
           </a:p>
@@ -1978,7 +1982,7 @@
           <a:p>
             <a:fld id="{12BBFE04-C0A0-4C31-9DB9-B72E335F5A7F}" type="datetimeFigureOut">
               <a:rPr lang="es-ES" smtClean="0"/>
-              <a:t>10/06/2024</a:t>
+              <a:t>11/06/2024</a:t>
             </a:fld>
             <a:endParaRPr lang="es-ES"/>
           </a:p>
@@ -2255,7 +2259,7 @@
           <a:p>
             <a:fld id="{12BBFE04-C0A0-4C31-9DB9-B72E335F5A7F}" type="datetimeFigureOut">
               <a:rPr lang="es-ES" smtClean="0"/>
-              <a:t>10/06/2024</a:t>
+              <a:t>11/06/2024</a:t>
             </a:fld>
             <a:endParaRPr lang="es-ES"/>
           </a:p>
@@ -2508,7 +2512,7 @@
           <a:p>
             <a:fld id="{12BBFE04-C0A0-4C31-9DB9-B72E335F5A7F}" type="datetimeFigureOut">
               <a:rPr lang="es-ES" smtClean="0"/>
-              <a:t>10/06/2024</a:t>
+              <a:t>11/06/2024</a:t>
             </a:fld>
             <a:endParaRPr lang="es-ES"/>
           </a:p>
@@ -2721,7 +2725,7 @@
           <a:p>
             <a:fld id="{12BBFE04-C0A0-4C31-9DB9-B72E335F5A7F}" type="datetimeFigureOut">
               <a:rPr lang="es-ES" smtClean="0"/>
-              <a:t>10/06/2024</a:t>
+              <a:t>11/06/2024</a:t>
             </a:fld>
             <a:endParaRPr lang="es-ES"/>
           </a:p>
@@ -3108,7 +3112,7 @@
         </p:nvSpPr>
         <p:spPr>
           <a:xfrm>
-            <a:off x="585180" y="2492896"/>
+            <a:off x="179512" y="2492896"/>
             <a:ext cx="4013200" cy="792088"/>
           </a:xfrm>
         </p:spPr>
@@ -3130,9 +3134,84 @@
           </a:p>
         </p:txBody>
       </p:sp>
+      <p:cxnSp>
+        <p:nvCxnSpPr>
+          <p:cNvPr id="6" name="5 Conector recto"/>
+          <p:cNvCxnSpPr/>
+          <p:nvPr/>
+        </p:nvCxnSpPr>
+        <p:spPr>
+          <a:xfrm>
+            <a:off x="35496" y="3483130"/>
+            <a:ext cx="4392488" cy="0"/>
+          </a:xfrm>
+          <a:prstGeom prst="line">
+            <a:avLst/>
+          </a:prstGeom>
+        </p:spPr>
+        <p:style>
+          <a:lnRef idx="3">
+            <a:schemeClr val="accent5"/>
+          </a:lnRef>
+          <a:fillRef idx="0">
+            <a:schemeClr val="accent5"/>
+          </a:fillRef>
+          <a:effectRef idx="2">
+            <a:schemeClr val="accent5"/>
+          </a:effectRef>
+          <a:fontRef idx="minor">
+            <a:schemeClr val="tx1"/>
+          </a:fontRef>
+        </p:style>
+      </p:cxnSp>
+      <p:sp>
+        <p:nvSpPr>
+          <p:cNvPr id="2" name="1 Rectángulo"/>
+          <p:cNvSpPr/>
+          <p:nvPr/>
+        </p:nvSpPr>
+        <p:spPr>
+          <a:xfrm>
+            <a:off x="8100392" y="-315416"/>
+            <a:ext cx="1043608" cy="7272808"/>
+          </a:xfrm>
+          <a:prstGeom prst="rect">
+            <a:avLst/>
+          </a:prstGeom>
+        </p:spPr>
+        <p:style>
+          <a:lnRef idx="1">
+            <a:schemeClr val="accent1"/>
+          </a:lnRef>
+          <a:fillRef idx="3">
+            <a:schemeClr val="accent1"/>
+          </a:fillRef>
+          <a:effectRef idx="2">
+            <a:schemeClr val="accent1"/>
+          </a:effectRef>
+          <a:fontRef idx="minor">
+            <a:schemeClr val="lt1"/>
+          </a:fontRef>
+        </p:style>
+        <p:txBody>
+          <a:bodyPr rtlCol="0" anchor="ctr"/>
+          <a:lstStyle/>
+          <a:p>
+            <a:pPr algn="ctr"/>
+            <a:endParaRPr lang="es-ES">
+              <a:solidFill>
+                <a:schemeClr val="tx1">
+                  <a:lumMod val="50000"/>
+                  <a:lumOff val="50000"/>
+                </a:schemeClr>
+              </a:solidFill>
+            </a:endParaRPr>
+          </a:p>
+        </p:txBody>
+      </p:sp>
       <p:pic>
         <p:nvPicPr>
-          <p:cNvPr id="1026" name="Picture 2" descr="C:\xampp2\htdocs\Proyecto\PROYECTO\imagenes\logotk.png"/>
+          <p:cNvPr id="7" name="Picture 2" descr="C:\xampp2\htdocs\Proyecto\PROYECTO\imagenes\logo.png"/>
           <p:cNvPicPr>
             <a:picLocks noChangeAspect="1" noChangeArrowheads="1"/>
           </p:cNvPicPr>
@@ -3153,8 +3232,8 @@
         </p:blipFill>
         <p:spPr bwMode="auto">
           <a:xfrm>
-            <a:off x="4860032" y="1340768"/>
-            <a:ext cx="3744416" cy="4280635"/>
+            <a:off x="4572000" y="1425133"/>
+            <a:ext cx="3528392" cy="4033673"/>
           </a:xfrm>
           <a:prstGeom prst="rect">
             <a:avLst/>
@@ -3171,38 +3250,58 @@
           </a:extLst>
         </p:spPr>
       </p:pic>
-      <p:cxnSp>
-        <p:nvCxnSpPr>
-          <p:cNvPr id="6" name="5 Conector recto"/>
-          <p:cNvCxnSpPr>
-            <a:endCxn id="1026" idx="1"/>
-          </p:cNvCxnSpPr>
+      <p:sp>
+        <p:nvSpPr>
+          <p:cNvPr id="5" name="4 CuadroTexto"/>
+          <p:cNvSpPr txBox="1"/>
           <p:nvPr/>
-        </p:nvCxnSpPr>
+        </p:nvSpPr>
         <p:spPr>
           <a:xfrm>
-            <a:off x="323528" y="3481086"/>
-            <a:ext cx="4536504" cy="0"/>
+            <a:off x="179512" y="3830270"/>
+            <a:ext cx="4248472" cy="707886"/>
           </a:xfrm>
-          <a:prstGeom prst="line">
+          <a:prstGeom prst="rect">
             <a:avLst/>
           </a:prstGeom>
+          <a:noFill/>
         </p:spPr>
-        <p:style>
-          <a:lnRef idx="3">
-            <a:schemeClr val="accent5"/>
-          </a:lnRef>
-          <a:fillRef idx="0">
-            <a:schemeClr val="accent5"/>
-          </a:fillRef>
-          <a:effectRef idx="2">
-            <a:schemeClr val="accent5"/>
-          </a:effectRef>
-          <a:fontRef idx="minor">
-            <a:schemeClr val="tx1"/>
-          </a:fontRef>
-        </p:style>
-      </p:cxnSp>
+        <p:txBody>
+          <a:bodyPr wrap="square" rtlCol="0">
+            <a:spAutoFit/>
+          </a:bodyPr>
+          <a:lstStyle/>
+          <a:p>
+            <a:r>
+              <a:rPr lang="es-ES" sz="2000" dirty="0">
+                <a:latin typeface="Imprint MT Shadow" pitchFamily="82" charset="0"/>
+              </a:rPr>
+              <a:t>"El tiempo </a:t>
+            </a:r>
+            <a:r>
+              <a:rPr lang="es-ES" sz="2000" dirty="0" smtClean="0">
+                <a:latin typeface="Imprint MT Shadow" pitchFamily="82" charset="0"/>
+              </a:rPr>
+              <a:t>nunca </a:t>
+            </a:r>
+            <a:r>
+              <a:rPr lang="es-ES" sz="2000" dirty="0">
+                <a:latin typeface="Imprint MT Shadow" pitchFamily="82" charset="0"/>
+              </a:rPr>
+              <a:t>se detiene, encuentra tu estilo en cada segundo</a:t>
+            </a:r>
+            <a:r>
+              <a:rPr lang="es-ES" sz="2000" dirty="0" smtClean="0">
+                <a:latin typeface="Imprint MT Shadow" pitchFamily="82" charset="0"/>
+              </a:rPr>
+              <a:t>."</a:t>
+            </a:r>
+            <a:endParaRPr lang="es-ES" sz="2000" dirty="0">
+              <a:latin typeface="Imprint MT Shadow" pitchFamily="82" charset="0"/>
+            </a:endParaRPr>
+          </a:p>
+        </p:txBody>
+      </p:sp>
     </p:spTree>
     <p:extLst>
       <p:ext uri="{BB962C8B-B14F-4D97-AF65-F5344CB8AC3E}">
@@ -3213,13 +3312,386 @@
   <p:clrMapOvr>
     <a:masterClrMapping/>
   </p:clrMapOvr>
-  <mc:AlternateContent xmlns:mc="http://schemas.openxmlformats.org/markup-compatibility/2006">
-    <mc:Choice xmlns:p14="http://schemas.microsoft.com/office/powerpoint/2010/main" Requires="p14">
+  <mc:AlternateContent xmlns:mc="http://schemas.openxmlformats.org/markup-compatibility/2006" xmlns:p14="http://schemas.microsoft.com/office/powerpoint/2010/main">
+    <mc:Choice Requires="p14">
       <p:transition spd="slow" p14:dur="3400">
         <p14:reveal/>
       </p:transition>
     </mc:Choice>
-    <mc:Fallback>
+    <mc:Fallback xmlns="">
+      <p:transition spd="slow">
+        <p:fade/>
+      </p:transition>
+    </mc:Fallback>
+  </mc:AlternateContent>
+  <p:timing>
+    <p:tnLst>
+      <p:par>
+        <p:cTn id="1" dur="indefinite" restart="never" nodeType="tmRoot"/>
+      </p:par>
+    </p:tnLst>
+  </p:timing>
+</p:sld>
+</file>
+
+<file path=ppt/slides/slide2.xml><?xml version="1.0" encoding="utf-8"?>
+<p:sld xmlns:a="http://schemas.openxmlformats.org/drawingml/2006/main" xmlns:r="http://schemas.openxmlformats.org/officeDocument/2006/relationships" xmlns:p="http://schemas.openxmlformats.org/presentationml/2006/main">
+  <p:cSld>
+    <p:spTree>
+      <p:nvGrpSpPr>
+        <p:cNvPr id="1" name=""/>
+        <p:cNvGrpSpPr/>
+        <p:nvPr/>
+      </p:nvGrpSpPr>
+      <p:grpSpPr>
+        <a:xfrm>
+          <a:off x="0" y="0"/>
+          <a:ext cx="0" cy="0"/>
+          <a:chOff x="0" y="0"/>
+          <a:chExt cx="0" cy="0"/>
+        </a:xfrm>
+      </p:grpSpPr>
+      <p:sp>
+        <p:nvSpPr>
+          <p:cNvPr id="2" name="1 Rectángulo"/>
+          <p:cNvSpPr/>
+          <p:nvPr/>
+        </p:nvSpPr>
+        <p:spPr>
+          <a:xfrm>
+            <a:off x="8100392" y="0"/>
+            <a:ext cx="1043608" cy="6858000"/>
+          </a:xfrm>
+          <a:prstGeom prst="rect">
+            <a:avLst/>
+          </a:prstGeom>
+        </p:spPr>
+        <p:style>
+          <a:lnRef idx="1">
+            <a:schemeClr val="accent1"/>
+          </a:lnRef>
+          <a:fillRef idx="3">
+            <a:schemeClr val="accent1"/>
+          </a:fillRef>
+          <a:effectRef idx="2">
+            <a:schemeClr val="accent1"/>
+          </a:effectRef>
+          <a:fontRef idx="minor">
+            <a:schemeClr val="lt1"/>
+          </a:fontRef>
+        </p:style>
+        <p:txBody>
+          <a:bodyPr rtlCol="0" anchor="ctr"/>
+          <a:lstStyle/>
+          <a:p>
+            <a:pPr algn="ctr"/>
+            <a:endParaRPr lang="es-ES">
+              <a:solidFill>
+                <a:schemeClr val="tx1">
+                  <a:lumMod val="50000"/>
+                  <a:lumOff val="50000"/>
+                </a:schemeClr>
+              </a:solidFill>
+            </a:endParaRPr>
+          </a:p>
+        </p:txBody>
+      </p:sp>
+      <p:pic>
+        <p:nvPicPr>
+          <p:cNvPr id="5" name="Picture 2" descr="C:\xampp2\htdocs\Proyecto\PROYECTO\imagenes\logo.png"/>
+          <p:cNvPicPr>
+            <a:picLocks noChangeAspect="1" noChangeArrowheads="1"/>
+          </p:cNvPicPr>
+          <p:nvPr/>
+        </p:nvPicPr>
+        <p:blipFill>
+          <a:blip r:embed="rId2" cstate="print">
+            <a:extLst>
+              <a:ext uri="{28A0092B-C50C-407E-A947-70E740481C1C}">
+                <a14:useLocalDpi xmlns:a14="http://schemas.microsoft.com/office/drawing/2010/main" val="0"/>
+              </a:ext>
+            </a:extLst>
+          </a:blip>
+          <a:srcRect/>
+          <a:stretch>
+            <a:fillRect/>
+          </a:stretch>
+        </p:blipFill>
+        <p:spPr bwMode="auto">
+          <a:xfrm>
+            <a:off x="8100392" y="0"/>
+            <a:ext cx="1043607" cy="1193056"/>
+          </a:xfrm>
+          <a:prstGeom prst="rect">
+            <a:avLst/>
+          </a:prstGeom>
+          <a:noFill/>
+          <a:extLst>
+            <a:ext uri="{909E8E84-426E-40DD-AFC4-6F175D3DCCD1}">
+              <a14:hiddenFill xmlns:a14="http://schemas.microsoft.com/office/drawing/2010/main">
+                <a:solidFill>
+                  <a:srgbClr val="FFFFFF"/>
+                </a:solidFill>
+              </a14:hiddenFill>
+            </a:ext>
+          </a:extLst>
+        </p:spPr>
+      </p:pic>
+      <p:sp>
+        <p:nvSpPr>
+          <p:cNvPr id="9" name="2 Título"/>
+          <p:cNvSpPr txBox="1">
+            <a:spLocks/>
+          </p:cNvSpPr>
+          <p:nvPr/>
+        </p:nvSpPr>
+        <p:spPr>
+          <a:xfrm>
+            <a:off x="187896" y="269033"/>
+            <a:ext cx="7912496" cy="567679"/>
+          </a:xfrm>
+          <a:prstGeom prst="rect">
+            <a:avLst/>
+          </a:prstGeom>
+        </p:spPr>
+        <p:txBody>
+          <a:bodyPr vert="horz" lIns="91440" tIns="45720" rIns="91440" bIns="45720" rtlCol="0" anchor="ctr">
+            <a:noAutofit/>
+          </a:bodyPr>
+          <a:lstStyle>
+            <a:lvl1pPr algn="ctr" defTabSz="914400" rtl="0" eaLnBrk="1" latinLnBrk="0" hangingPunct="1">
+              <a:spcBef>
+                <a:spcPct val="0"/>
+              </a:spcBef>
+              <a:buNone/>
+              <a:defRPr sz="4400" kern="1200">
+                <a:solidFill>
+                  <a:schemeClr val="tx1"/>
+                </a:solidFill>
+                <a:latin typeface="+mj-lt"/>
+                <a:ea typeface="+mj-ea"/>
+                <a:cs typeface="+mj-cs"/>
+              </a:defRPr>
+            </a:lvl1pPr>
+          </a:lstStyle>
+          <a:p>
+            <a:r>
+              <a:rPr lang="es-ES" sz="3000" dirty="0" smtClean="0">
+                <a:latin typeface="Times New Roman" pitchFamily="18" charset="0"/>
+                <a:cs typeface="Times New Roman" pitchFamily="18" charset="0"/>
+              </a:rPr>
+              <a:t>¿Por qué Michel &amp; CO necesita una página web?</a:t>
+            </a:r>
+            <a:endParaRPr lang="es-ES" sz="3000" dirty="0">
+              <a:latin typeface="Times New Roman" pitchFamily="18" charset="0"/>
+              <a:cs typeface="Times New Roman" pitchFamily="18" charset="0"/>
+            </a:endParaRPr>
+          </a:p>
+        </p:txBody>
+      </p:sp>
+      <p:sp>
+        <p:nvSpPr>
+          <p:cNvPr id="10" name="9 CuadroTexto"/>
+          <p:cNvSpPr txBox="1"/>
+          <p:nvPr/>
+        </p:nvSpPr>
+        <p:spPr>
+          <a:xfrm>
+            <a:off x="530924" y="2187850"/>
+            <a:ext cx="6912768" cy="461665"/>
+          </a:xfrm>
+          <a:prstGeom prst="rect">
+            <a:avLst/>
+          </a:prstGeom>
+          <a:noFill/>
+        </p:spPr>
+        <p:txBody>
+          <a:bodyPr wrap="square" rtlCol="0">
+            <a:spAutoFit/>
+          </a:bodyPr>
+          <a:lstStyle/>
+          <a:p>
+            <a:pPr marL="285750" indent="-285750">
+              <a:buFont typeface="Arial" pitchFamily="34" charset="0"/>
+              <a:buChar char="•"/>
+            </a:pPr>
+            <a:r>
+              <a:rPr lang="es-ES" sz="2400" dirty="0" smtClean="0">
+                <a:latin typeface="Times New Roman" pitchFamily="18" charset="0"/>
+                <a:cs typeface="Times New Roman" pitchFamily="18" charset="0"/>
+              </a:rPr>
+              <a:t>Una única tienda física</a:t>
+            </a:r>
+            <a:endParaRPr lang="es-ES" sz="2400" dirty="0">
+              <a:latin typeface="Times New Roman" pitchFamily="18" charset="0"/>
+              <a:cs typeface="Times New Roman" pitchFamily="18" charset="0"/>
+            </a:endParaRPr>
+          </a:p>
+        </p:txBody>
+      </p:sp>
+      <p:sp>
+        <p:nvSpPr>
+          <p:cNvPr id="14" name="13 Rectángulo"/>
+          <p:cNvSpPr/>
+          <p:nvPr/>
+        </p:nvSpPr>
+        <p:spPr>
+          <a:xfrm>
+            <a:off x="554987" y="886557"/>
+            <a:ext cx="7344815" cy="45719"/>
+          </a:xfrm>
+          <a:prstGeom prst="rect">
+            <a:avLst/>
+          </a:prstGeom>
+          <a:ln>
+            <a:solidFill>
+              <a:schemeClr val="accent1"/>
+            </a:solidFill>
+          </a:ln>
+        </p:spPr>
+        <p:style>
+          <a:lnRef idx="2">
+            <a:schemeClr val="accent1">
+              <a:shade val="50000"/>
+            </a:schemeClr>
+          </a:lnRef>
+          <a:fillRef idx="1">
+            <a:schemeClr val="accent1"/>
+          </a:fillRef>
+          <a:effectRef idx="0">
+            <a:schemeClr val="accent1"/>
+          </a:effectRef>
+          <a:fontRef idx="minor">
+            <a:schemeClr val="lt1"/>
+          </a:fontRef>
+        </p:style>
+        <p:txBody>
+          <a:bodyPr rtlCol="0" anchor="ctr"/>
+          <a:lstStyle/>
+          <a:p>
+            <a:pPr algn="ctr"/>
+            <a:endParaRPr lang="es-ES"/>
+          </a:p>
+        </p:txBody>
+      </p:sp>
+      <p:sp>
+        <p:nvSpPr>
+          <p:cNvPr id="15" name="14 CuadroTexto"/>
+          <p:cNvSpPr txBox="1"/>
+          <p:nvPr/>
+        </p:nvSpPr>
+        <p:spPr>
+          <a:xfrm>
+            <a:off x="539552" y="2772821"/>
+            <a:ext cx="4593077" cy="461665"/>
+          </a:xfrm>
+          <a:prstGeom prst="rect">
+            <a:avLst/>
+          </a:prstGeom>
+          <a:noFill/>
+        </p:spPr>
+        <p:txBody>
+          <a:bodyPr wrap="square" rtlCol="0">
+            <a:spAutoFit/>
+          </a:bodyPr>
+          <a:lstStyle/>
+          <a:p>
+            <a:pPr marL="285750" indent="-285750">
+              <a:buFont typeface="Arial" pitchFamily="34" charset="0"/>
+              <a:buChar char="•"/>
+            </a:pPr>
+            <a:r>
+              <a:rPr lang="es-ES" sz="2400" dirty="0">
+                <a:latin typeface="Times New Roman" pitchFamily="18" charset="0"/>
+                <a:cs typeface="Times New Roman" pitchFamily="18" charset="0"/>
+              </a:rPr>
+              <a:t>Mayor </a:t>
+            </a:r>
+            <a:r>
+              <a:rPr lang="es-ES" sz="2400" dirty="0" smtClean="0">
+                <a:latin typeface="Times New Roman" pitchFamily="18" charset="0"/>
+                <a:cs typeface="Times New Roman" pitchFamily="18" charset="0"/>
+              </a:rPr>
+              <a:t>visibilidad</a:t>
+            </a:r>
+            <a:endParaRPr lang="es-ES" sz="2400" dirty="0">
+              <a:latin typeface="Times New Roman" pitchFamily="18" charset="0"/>
+              <a:cs typeface="Times New Roman" pitchFamily="18" charset="0"/>
+            </a:endParaRPr>
+          </a:p>
+        </p:txBody>
+      </p:sp>
+      <p:sp>
+        <p:nvSpPr>
+          <p:cNvPr id="17" name="16 CuadroTexto"/>
+          <p:cNvSpPr txBox="1"/>
+          <p:nvPr/>
+        </p:nvSpPr>
+        <p:spPr>
+          <a:xfrm>
+            <a:off x="530924" y="3356992"/>
+            <a:ext cx="4593077" cy="461665"/>
+          </a:xfrm>
+          <a:prstGeom prst="rect">
+            <a:avLst/>
+          </a:prstGeom>
+          <a:noFill/>
+        </p:spPr>
+        <p:txBody>
+          <a:bodyPr wrap="square" rtlCol="0">
+            <a:spAutoFit/>
+          </a:bodyPr>
+          <a:lstStyle/>
+          <a:p>
+            <a:pPr marL="285750" indent="-285750">
+              <a:buFont typeface="Arial" pitchFamily="34" charset="0"/>
+              <a:buChar char="•"/>
+            </a:pPr>
+            <a:r>
+              <a:rPr lang="es-ES" sz="2400" dirty="0" smtClean="0">
+                <a:latin typeface="Times New Roman" pitchFamily="18" charset="0"/>
+                <a:cs typeface="Times New Roman" pitchFamily="18" charset="0"/>
+              </a:rPr>
+              <a:t>Lenta capacidad </a:t>
+            </a:r>
+            <a:r>
+              <a:rPr lang="es-ES" sz="2400" dirty="0">
+                <a:latin typeface="Times New Roman" pitchFamily="18" charset="0"/>
+                <a:cs typeface="Times New Roman" pitchFamily="18" charset="0"/>
+              </a:rPr>
+              <a:t>de </a:t>
+            </a:r>
+            <a:r>
+              <a:rPr lang="es-ES" sz="2400" dirty="0" smtClean="0">
+                <a:latin typeface="Times New Roman" pitchFamily="18" charset="0"/>
+                <a:cs typeface="Times New Roman" pitchFamily="18" charset="0"/>
+              </a:rPr>
+              <a:t>expansión</a:t>
+            </a:r>
+            <a:endParaRPr lang="es-ES" sz="2400" dirty="0">
+              <a:latin typeface="Times New Roman" pitchFamily="18" charset="0"/>
+              <a:cs typeface="Times New Roman" pitchFamily="18" charset="0"/>
+            </a:endParaRPr>
+          </a:p>
+        </p:txBody>
+      </p:sp>
+    </p:spTree>
+    <p:extLst>
+      <p:ext uri="{BB962C8B-B14F-4D97-AF65-F5344CB8AC3E}">
+        <p14:creationId xmlns:p14="http://schemas.microsoft.com/office/powerpoint/2010/main" val="2058485453"/>
+      </p:ext>
+    </p:extLst>
+  </p:cSld>
+  <p:clrMapOvr>
+    <a:masterClrMapping/>
+  </p:clrMapOvr>
+  <mc:AlternateContent xmlns:mc="http://schemas.openxmlformats.org/markup-compatibility/2006" xmlns:p14="http://schemas.microsoft.com/office/powerpoint/2010/main">
+    <mc:Choice Requires="p14">
+      <p:transition spd="slow" p14:dur="3400">
+        <p14:reveal/>
+      </p:transition>
+    </mc:Choice>
+    <mc:Fallback xmlns="">
       <p:transition spd="slow">
         <p:fade/>
       </p:transition>
@@ -3246,7 +3718,7 @@
                             </p:stCondLst>
                             <p:childTnLst>
                               <p:par>
-                                <p:cTn id="5" presetID="2" presetClass="entr" presetSubtype="4" fill="hold" grpId="0" nodeType="clickEffect">
+                                <p:cTn id="5" presetID="6" presetClass="entr" presetSubtype="16" fill="hold" grpId="0" nodeType="clickEffect">
                                   <p:stCondLst>
                                     <p:cond delay="0"/>
                                   </p:stCondLst>
@@ -3259,7 +3731,7 @@
                                           </p:stCondLst>
                                         </p:cTn>
                                         <p:tgtEl>
-                                          <p:spTgt spid="4"/>
+                                          <p:spTgt spid="10"/>
                                         </p:tgtEl>
                                         <p:attrNameLst>
                                           <p:attrName>style.visibility</p:attrName>
@@ -3269,52 +3741,120 @@
                                         <p:strVal val="visible"/>
                                       </p:to>
                                     </p:set>
-                                    <p:anim calcmode="lin" valueType="num">
-                                      <p:cBhvr additive="base">
-                                        <p:cTn id="7" dur="500" fill="hold"/>
+                                    <p:animEffect transition="in" filter="circle(in)">
+                                      <p:cBhvr>
+                                        <p:cTn id="7" dur="2000"/>
                                         <p:tgtEl>
-                                          <p:spTgt spid="4"/>
+                                          <p:spTgt spid="10"/>
+                                        </p:tgtEl>
+                                      </p:cBhvr>
+                                    </p:animEffect>
+                                  </p:childTnLst>
+                                </p:cTn>
+                              </p:par>
+                            </p:childTnLst>
+                          </p:cTn>
+                        </p:par>
+                      </p:childTnLst>
+                    </p:cTn>
+                  </p:par>
+                  <p:par>
+                    <p:cTn id="8" fill="hold">
+                      <p:stCondLst>
+                        <p:cond delay="indefinite"/>
+                      </p:stCondLst>
+                      <p:childTnLst>
+                        <p:par>
+                          <p:cTn id="9" fill="hold">
+                            <p:stCondLst>
+                              <p:cond delay="0"/>
+                            </p:stCondLst>
+                            <p:childTnLst>
+                              <p:par>
+                                <p:cTn id="10" presetID="6" presetClass="entr" presetSubtype="16" fill="hold" grpId="0" nodeType="clickEffect">
+                                  <p:stCondLst>
+                                    <p:cond delay="0"/>
+                                  </p:stCondLst>
+                                  <p:childTnLst>
+                                    <p:set>
+                                      <p:cBhvr>
+                                        <p:cTn id="11" dur="1" fill="hold">
+                                          <p:stCondLst>
+                                            <p:cond delay="0"/>
+                                          </p:stCondLst>
+                                        </p:cTn>
+                                        <p:tgtEl>
+                                          <p:spTgt spid="15"/>
                                         </p:tgtEl>
                                         <p:attrNameLst>
-                                          <p:attrName>ppt_x</p:attrName>
+                                          <p:attrName>style.visibility</p:attrName>
                                         </p:attrNameLst>
                                       </p:cBhvr>
-                                      <p:tavLst>
-                                        <p:tav tm="0">
-                                          <p:val>
-                                            <p:strVal val="#ppt_x"/>
-                                          </p:val>
-                                        </p:tav>
-                                        <p:tav tm="100000">
-                                          <p:val>
-                                            <p:strVal val="#ppt_x"/>
-                                          </p:val>
-                                        </p:tav>
-                                      </p:tavLst>
-                                    </p:anim>
-                                    <p:anim calcmode="lin" valueType="num">
-                                      <p:cBhvr additive="base">
-                                        <p:cTn id="8" dur="500" fill="hold"/>
+                                      <p:to>
+                                        <p:strVal val="visible"/>
+                                      </p:to>
+                                    </p:set>
+                                    <p:animEffect transition="in" filter="circle(in)">
+                                      <p:cBhvr>
+                                        <p:cTn id="12" dur="2000"/>
                                         <p:tgtEl>
-                                          <p:spTgt spid="4"/>
+                                          <p:spTgt spid="15"/>
+                                        </p:tgtEl>
+                                      </p:cBhvr>
+                                    </p:animEffect>
+                                  </p:childTnLst>
+                                </p:cTn>
+                              </p:par>
+                            </p:childTnLst>
+                          </p:cTn>
+                        </p:par>
+                      </p:childTnLst>
+                    </p:cTn>
+                  </p:par>
+                  <p:par>
+                    <p:cTn id="13" fill="hold">
+                      <p:stCondLst>
+                        <p:cond delay="indefinite"/>
+                      </p:stCondLst>
+                      <p:childTnLst>
+                        <p:par>
+                          <p:cTn id="14" fill="hold">
+                            <p:stCondLst>
+                              <p:cond delay="0"/>
+                            </p:stCondLst>
+                            <p:childTnLst>
+                              <p:par>
+                                <p:cTn id="15" presetID="6" presetClass="entr" presetSubtype="16" fill="hold" grpId="0" nodeType="clickEffect">
+                                  <p:stCondLst>
+                                    <p:cond delay="0"/>
+                                  </p:stCondLst>
+                                  <p:childTnLst>
+                                    <p:set>
+                                      <p:cBhvr>
+                                        <p:cTn id="16" dur="1" fill="hold">
+                                          <p:stCondLst>
+                                            <p:cond delay="0"/>
+                                          </p:stCondLst>
+                                        </p:cTn>
+                                        <p:tgtEl>
+                                          <p:spTgt spid="17"/>
                                         </p:tgtEl>
                                         <p:attrNameLst>
-                                          <p:attrName>ppt_y</p:attrName>
+                                          <p:attrName>style.visibility</p:attrName>
                                         </p:attrNameLst>
                                       </p:cBhvr>
-                                      <p:tavLst>
-                                        <p:tav tm="0">
-                                          <p:val>
-                                            <p:strVal val="1+#ppt_h/2"/>
-                                          </p:val>
-                                        </p:tav>
-                                        <p:tav tm="100000">
-                                          <p:val>
-                                            <p:strVal val="#ppt_y"/>
-                                          </p:val>
-                                        </p:tav>
-                                      </p:tavLst>
-                                    </p:anim>
+                                      <p:to>
+                                        <p:strVal val="visible"/>
+                                      </p:to>
+                                    </p:set>
+                                    <p:animEffect transition="in" filter="circle(in)">
+                                      <p:cBhvr>
+                                        <p:cTn id="17" dur="2000"/>
+                                        <p:tgtEl>
+                                          <p:spTgt spid="17"/>
+                                        </p:tgtEl>
+                                      </p:cBhvr>
+                                    </p:animEffect>
                                   </p:childTnLst>
                                 </p:cTn>
                               </p:par>
@@ -3346,13 +3886,15 @@
       </p:par>
     </p:tnLst>
     <p:bldLst>
-      <p:bldP spid="4" grpId="0"/>
+      <p:bldP spid="10" grpId="0"/>
+      <p:bldP spid="15" grpId="0"/>
+      <p:bldP spid="17" grpId="0"/>
     </p:bldLst>
   </p:timing>
 </p:sld>
 </file>
 
-<file path=ppt/slides/slide2.xml><?xml version="1.0" encoding="utf-8"?>
+<file path=ppt/slides/slide3.xml><?xml version="1.0" encoding="utf-8"?>
 <p:sld xmlns:a="http://schemas.openxmlformats.org/drawingml/2006/main" xmlns:r="http://schemas.openxmlformats.org/officeDocument/2006/relationships" xmlns:p="http://schemas.openxmlformats.org/presentationml/2006/main">
   <p:cSld>
     <p:spTree>
@@ -3371,38 +3913,303 @@
       </p:grpSpPr>
       <p:sp>
         <p:nvSpPr>
-          <p:cNvPr id="2" name="1 Título"/>
-          <p:cNvSpPr>
-            <a:spLocks noGrp="1"/>
-          </p:cNvSpPr>
-          <p:nvPr>
-            <p:ph type="title"/>
-          </p:nvPr>
-        </p:nvSpPr>
-        <p:spPr/>
-        <p:txBody>
-          <a:bodyPr/>
-          <a:lstStyle/>
-          <a:p>
-            <a:endParaRPr lang="es-ES"/>
-          </a:p>
-        </p:txBody>
-      </p:sp>
-      <p:sp>
-        <p:nvSpPr>
-          <p:cNvPr id="3" name="2 Marcador de contenido"/>
-          <p:cNvSpPr>
-            <a:spLocks noGrp="1"/>
-          </p:cNvSpPr>
-          <p:nvPr>
-            <p:ph idx="1"/>
-          </p:nvPr>
-        </p:nvSpPr>
-        <p:spPr/>
-        <p:txBody>
-          <a:bodyPr/>
-          <a:lstStyle/>
-          <a:p>
+          <p:cNvPr id="2" name="1 Rectángulo"/>
+          <p:cNvSpPr/>
+          <p:nvPr/>
+        </p:nvSpPr>
+        <p:spPr>
+          <a:xfrm>
+            <a:off x="8100392" y="0"/>
+            <a:ext cx="1043608" cy="6858000"/>
+          </a:xfrm>
+          <a:prstGeom prst="rect">
+            <a:avLst/>
+          </a:prstGeom>
+        </p:spPr>
+        <p:style>
+          <a:lnRef idx="1">
+            <a:schemeClr val="accent1"/>
+          </a:lnRef>
+          <a:fillRef idx="3">
+            <a:schemeClr val="accent1"/>
+          </a:fillRef>
+          <a:effectRef idx="2">
+            <a:schemeClr val="accent1"/>
+          </a:effectRef>
+          <a:fontRef idx="minor">
+            <a:schemeClr val="lt1"/>
+          </a:fontRef>
+        </p:style>
+        <p:txBody>
+          <a:bodyPr rtlCol="0" anchor="ctr"/>
+          <a:lstStyle/>
+          <a:p>
+            <a:pPr algn="ctr"/>
+            <a:endParaRPr lang="es-ES">
+              <a:solidFill>
+                <a:schemeClr val="tx1">
+                  <a:lumMod val="50000"/>
+                  <a:lumOff val="50000"/>
+                </a:schemeClr>
+              </a:solidFill>
+            </a:endParaRPr>
+          </a:p>
+        </p:txBody>
+      </p:sp>
+      <p:pic>
+        <p:nvPicPr>
+          <p:cNvPr id="5" name="Picture 2" descr="C:\xampp2\htdocs\Proyecto\PROYECTO\imagenes\logo.png"/>
+          <p:cNvPicPr>
+            <a:picLocks noChangeAspect="1" noChangeArrowheads="1"/>
+          </p:cNvPicPr>
+          <p:nvPr/>
+        </p:nvPicPr>
+        <p:blipFill>
+          <a:blip r:embed="rId2" cstate="print">
+            <a:extLst>
+              <a:ext uri="{28A0092B-C50C-407E-A947-70E740481C1C}">
+                <a14:useLocalDpi xmlns:a14="http://schemas.microsoft.com/office/drawing/2010/main" val="0"/>
+              </a:ext>
+            </a:extLst>
+          </a:blip>
+          <a:srcRect/>
+          <a:stretch>
+            <a:fillRect/>
+          </a:stretch>
+        </p:blipFill>
+        <p:spPr bwMode="auto">
+          <a:xfrm>
+            <a:off x="8100392" y="0"/>
+            <a:ext cx="1043607" cy="1193056"/>
+          </a:xfrm>
+          <a:prstGeom prst="rect">
+            <a:avLst/>
+          </a:prstGeom>
+          <a:noFill/>
+          <a:extLst>
+            <a:ext uri="{909E8E84-426E-40DD-AFC4-6F175D3DCCD1}">
+              <a14:hiddenFill xmlns:a14="http://schemas.microsoft.com/office/drawing/2010/main">
+                <a:solidFill>
+                  <a:srgbClr val="FFFFFF"/>
+                </a:solidFill>
+              </a14:hiddenFill>
+            </a:ext>
+          </a:extLst>
+        </p:spPr>
+      </p:pic>
+      <p:sp>
+        <p:nvSpPr>
+          <p:cNvPr id="9" name="2 Título"/>
+          <p:cNvSpPr txBox="1">
+            <a:spLocks/>
+          </p:cNvSpPr>
+          <p:nvPr/>
+        </p:nvSpPr>
+        <p:spPr>
+          <a:xfrm>
+            <a:off x="187896" y="269033"/>
+            <a:ext cx="7912496" cy="567679"/>
+          </a:xfrm>
+          <a:prstGeom prst="rect">
+            <a:avLst/>
+          </a:prstGeom>
+        </p:spPr>
+        <p:txBody>
+          <a:bodyPr vert="horz" lIns="91440" tIns="45720" rIns="91440" bIns="45720" rtlCol="0" anchor="ctr">
+            <a:noAutofit/>
+          </a:bodyPr>
+          <a:lstStyle>
+            <a:lvl1pPr algn="ctr" defTabSz="914400" rtl="0" eaLnBrk="1" latinLnBrk="0" hangingPunct="1">
+              <a:spcBef>
+                <a:spcPct val="0"/>
+              </a:spcBef>
+              <a:buNone/>
+              <a:defRPr sz="4400" kern="1200">
+                <a:solidFill>
+                  <a:schemeClr val="tx1"/>
+                </a:solidFill>
+                <a:latin typeface="+mj-lt"/>
+                <a:ea typeface="+mj-ea"/>
+                <a:cs typeface="+mj-cs"/>
+              </a:defRPr>
+            </a:lvl1pPr>
+          </a:lstStyle>
+          <a:p>
+            <a:r>
+              <a:rPr lang="es-ES" sz="3000" dirty="0" smtClean="0">
+                <a:latin typeface="Times New Roman" pitchFamily="18" charset="0"/>
+                <a:cs typeface="Times New Roman" pitchFamily="18" charset="0"/>
+              </a:rPr>
+              <a:t>Objetivos</a:t>
+            </a:r>
+            <a:endParaRPr lang="es-ES" sz="3000" dirty="0">
+              <a:latin typeface="Times New Roman" pitchFamily="18" charset="0"/>
+              <a:cs typeface="Times New Roman" pitchFamily="18" charset="0"/>
+            </a:endParaRPr>
+          </a:p>
+        </p:txBody>
+      </p:sp>
+      <p:sp>
+        <p:nvSpPr>
+          <p:cNvPr id="10" name="9 CuadroTexto"/>
+          <p:cNvSpPr txBox="1"/>
+          <p:nvPr/>
+        </p:nvSpPr>
+        <p:spPr>
+          <a:xfrm>
+            <a:off x="530924" y="2187850"/>
+            <a:ext cx="6912768" cy="461665"/>
+          </a:xfrm>
+          <a:prstGeom prst="rect">
+            <a:avLst/>
+          </a:prstGeom>
+          <a:noFill/>
+        </p:spPr>
+        <p:txBody>
+          <a:bodyPr wrap="square" rtlCol="0">
+            <a:spAutoFit/>
+          </a:bodyPr>
+          <a:lstStyle/>
+          <a:p>
+            <a:pPr marL="285750" indent="-285750">
+              <a:buFont typeface="Arial" pitchFamily="34" charset="0"/>
+              <a:buChar char="•"/>
+            </a:pPr>
+            <a:r>
+              <a:rPr lang="es-ES" sz="2400" dirty="0" smtClean="0">
+                <a:latin typeface="Times New Roman" pitchFamily="18" charset="0"/>
+                <a:cs typeface="Times New Roman" pitchFamily="18" charset="0"/>
+              </a:rPr>
+              <a:t>Incrementar las ventas</a:t>
+            </a:r>
+            <a:endParaRPr lang="es-ES" sz="2400" dirty="0">
+              <a:latin typeface="Times New Roman" pitchFamily="18" charset="0"/>
+              <a:cs typeface="Times New Roman" pitchFamily="18" charset="0"/>
+            </a:endParaRPr>
+          </a:p>
+        </p:txBody>
+      </p:sp>
+      <p:sp>
+        <p:nvSpPr>
+          <p:cNvPr id="15" name="14 CuadroTexto"/>
+          <p:cNvSpPr txBox="1"/>
+          <p:nvPr/>
+        </p:nvSpPr>
+        <p:spPr>
+          <a:xfrm>
+            <a:off x="539552" y="2772821"/>
+            <a:ext cx="6336704" cy="461665"/>
+          </a:xfrm>
+          <a:prstGeom prst="rect">
+            <a:avLst/>
+          </a:prstGeom>
+          <a:noFill/>
+        </p:spPr>
+        <p:txBody>
+          <a:bodyPr wrap="square" rtlCol="0">
+            <a:spAutoFit/>
+          </a:bodyPr>
+          <a:lstStyle/>
+          <a:p>
+            <a:pPr marL="285750" indent="-285750">
+              <a:buFont typeface="Arial" pitchFamily="34" charset="0"/>
+              <a:buChar char="•"/>
+            </a:pPr>
+            <a:r>
+              <a:rPr lang="es-ES" sz="2400" dirty="0" smtClean="0">
+                <a:latin typeface="Times New Roman" pitchFamily="18" charset="0"/>
+                <a:cs typeface="Times New Roman" pitchFamily="18" charset="0"/>
+              </a:rPr>
+              <a:t>Llegar al mayor número de usuarios posible</a:t>
+            </a:r>
+            <a:endParaRPr lang="es-ES" sz="2400" dirty="0">
+              <a:latin typeface="Times New Roman" pitchFamily="18" charset="0"/>
+              <a:cs typeface="Times New Roman" pitchFamily="18" charset="0"/>
+            </a:endParaRPr>
+          </a:p>
+        </p:txBody>
+      </p:sp>
+      <p:sp>
+        <p:nvSpPr>
+          <p:cNvPr id="17" name="16 CuadroTexto"/>
+          <p:cNvSpPr txBox="1"/>
+          <p:nvPr/>
+        </p:nvSpPr>
+        <p:spPr>
+          <a:xfrm>
+            <a:off x="530925" y="3356992"/>
+            <a:ext cx="6633363" cy="830997"/>
+          </a:xfrm>
+          <a:prstGeom prst="rect">
+            <a:avLst/>
+          </a:prstGeom>
+          <a:noFill/>
+        </p:spPr>
+        <p:txBody>
+          <a:bodyPr wrap="square" rtlCol="0">
+            <a:spAutoFit/>
+          </a:bodyPr>
+          <a:lstStyle/>
+          <a:p>
+            <a:pPr marL="285750" indent="-285750">
+              <a:buFont typeface="Arial" pitchFamily="34" charset="0"/>
+              <a:buChar char="•"/>
+            </a:pPr>
+            <a:r>
+              <a:rPr lang="es-ES" sz="2400" dirty="0" smtClean="0">
+                <a:latin typeface="Times New Roman" pitchFamily="18" charset="0"/>
+                <a:cs typeface="Times New Roman" pitchFamily="18" charset="0"/>
+              </a:rPr>
+              <a:t>Hacer sentir al usuario más cómodo que en cualquier otra web de venta de relojes</a:t>
+            </a:r>
+            <a:endParaRPr lang="es-ES" sz="2400" dirty="0">
+              <a:latin typeface="Times New Roman" pitchFamily="18" charset="0"/>
+              <a:cs typeface="Times New Roman" pitchFamily="18" charset="0"/>
+            </a:endParaRPr>
+          </a:p>
+        </p:txBody>
+      </p:sp>
+      <p:sp>
+        <p:nvSpPr>
+          <p:cNvPr id="11" name="10 Rectángulo"/>
+          <p:cNvSpPr/>
+          <p:nvPr/>
+        </p:nvSpPr>
+        <p:spPr>
+          <a:xfrm>
+            <a:off x="554987" y="886557"/>
+            <a:ext cx="7344815" cy="45719"/>
+          </a:xfrm>
+          <a:prstGeom prst="rect">
+            <a:avLst/>
+          </a:prstGeom>
+          <a:ln>
+            <a:solidFill>
+              <a:schemeClr val="accent1"/>
+            </a:solidFill>
+          </a:ln>
+        </p:spPr>
+        <p:style>
+          <a:lnRef idx="2">
+            <a:schemeClr val="accent1">
+              <a:shade val="50000"/>
+            </a:schemeClr>
+          </a:lnRef>
+          <a:fillRef idx="1">
+            <a:schemeClr val="accent1"/>
+          </a:fillRef>
+          <a:effectRef idx="0">
+            <a:schemeClr val="accent1"/>
+          </a:effectRef>
+          <a:fontRef idx="minor">
+            <a:schemeClr val="lt1"/>
+          </a:fontRef>
+        </p:style>
+        <p:txBody>
+          <a:bodyPr rtlCol="0" anchor="ctr"/>
+          <a:lstStyle/>
+          <a:p>
+            <a:pPr algn="ctr"/>
             <a:endParaRPr lang="es-ES"/>
           </a:p>
         </p:txBody>
@@ -3410,19 +4217,1453 @@
     </p:spTree>
     <p:extLst>
       <p:ext uri="{BB962C8B-B14F-4D97-AF65-F5344CB8AC3E}">
-        <p14:creationId xmlns:p14="http://schemas.microsoft.com/office/powerpoint/2010/main" val="960710693"/>
+        <p14:creationId xmlns:p14="http://schemas.microsoft.com/office/powerpoint/2010/main" val="2516927572"/>
       </p:ext>
     </p:extLst>
   </p:cSld>
   <p:clrMapOvr>
     <a:masterClrMapping/>
   </p:clrMapOvr>
+  <mc:AlternateContent xmlns:mc="http://schemas.openxmlformats.org/markup-compatibility/2006" xmlns:p14="http://schemas.microsoft.com/office/powerpoint/2010/main">
+    <mc:Choice Requires="p14">
+      <p:transition spd="slow" p14:dur="3400">
+        <p14:reveal/>
+      </p:transition>
+    </mc:Choice>
+    <mc:Fallback xmlns="">
+      <p:transition spd="slow">
+        <p:fade/>
+      </p:transition>
+    </mc:Fallback>
+  </mc:AlternateContent>
   <p:timing>
     <p:tnLst>
       <p:par>
-        <p:cTn id="1" dur="indefinite" restart="never" nodeType="tmRoot"/>
+        <p:cTn id="1" dur="indefinite" restart="never" nodeType="tmRoot">
+          <p:childTnLst>
+            <p:seq concurrent="1" nextAc="seek">
+              <p:cTn id="2" dur="indefinite" nodeType="mainSeq">
+                <p:childTnLst>
+                  <p:par>
+                    <p:cTn id="3" fill="hold">
+                      <p:stCondLst>
+                        <p:cond delay="indefinite"/>
+                      </p:stCondLst>
+                      <p:childTnLst>
+                        <p:par>
+                          <p:cTn id="4" fill="hold">
+                            <p:stCondLst>
+                              <p:cond delay="0"/>
+                            </p:stCondLst>
+                            <p:childTnLst>
+                              <p:par>
+                                <p:cTn id="5" presetID="6" presetClass="entr" presetSubtype="16" fill="hold" grpId="0" nodeType="clickEffect">
+                                  <p:stCondLst>
+                                    <p:cond delay="0"/>
+                                  </p:stCondLst>
+                                  <p:childTnLst>
+                                    <p:set>
+                                      <p:cBhvr>
+                                        <p:cTn id="6" dur="1" fill="hold">
+                                          <p:stCondLst>
+                                            <p:cond delay="0"/>
+                                          </p:stCondLst>
+                                        </p:cTn>
+                                        <p:tgtEl>
+                                          <p:spTgt spid="10"/>
+                                        </p:tgtEl>
+                                        <p:attrNameLst>
+                                          <p:attrName>style.visibility</p:attrName>
+                                        </p:attrNameLst>
+                                      </p:cBhvr>
+                                      <p:to>
+                                        <p:strVal val="visible"/>
+                                      </p:to>
+                                    </p:set>
+                                    <p:animEffect transition="in" filter="circle(in)">
+                                      <p:cBhvr>
+                                        <p:cTn id="7" dur="2000"/>
+                                        <p:tgtEl>
+                                          <p:spTgt spid="10"/>
+                                        </p:tgtEl>
+                                      </p:cBhvr>
+                                    </p:animEffect>
+                                  </p:childTnLst>
+                                </p:cTn>
+                              </p:par>
+                            </p:childTnLst>
+                          </p:cTn>
+                        </p:par>
+                      </p:childTnLst>
+                    </p:cTn>
+                  </p:par>
+                  <p:par>
+                    <p:cTn id="8" fill="hold">
+                      <p:stCondLst>
+                        <p:cond delay="indefinite"/>
+                      </p:stCondLst>
+                      <p:childTnLst>
+                        <p:par>
+                          <p:cTn id="9" fill="hold">
+                            <p:stCondLst>
+                              <p:cond delay="0"/>
+                            </p:stCondLst>
+                            <p:childTnLst>
+                              <p:par>
+                                <p:cTn id="10" presetID="6" presetClass="entr" presetSubtype="16" fill="hold" grpId="0" nodeType="clickEffect">
+                                  <p:stCondLst>
+                                    <p:cond delay="0"/>
+                                  </p:stCondLst>
+                                  <p:childTnLst>
+                                    <p:set>
+                                      <p:cBhvr>
+                                        <p:cTn id="11" dur="1" fill="hold">
+                                          <p:stCondLst>
+                                            <p:cond delay="0"/>
+                                          </p:stCondLst>
+                                        </p:cTn>
+                                        <p:tgtEl>
+                                          <p:spTgt spid="15"/>
+                                        </p:tgtEl>
+                                        <p:attrNameLst>
+                                          <p:attrName>style.visibility</p:attrName>
+                                        </p:attrNameLst>
+                                      </p:cBhvr>
+                                      <p:to>
+                                        <p:strVal val="visible"/>
+                                      </p:to>
+                                    </p:set>
+                                    <p:animEffect transition="in" filter="circle(in)">
+                                      <p:cBhvr>
+                                        <p:cTn id="12" dur="2000"/>
+                                        <p:tgtEl>
+                                          <p:spTgt spid="15"/>
+                                        </p:tgtEl>
+                                      </p:cBhvr>
+                                    </p:animEffect>
+                                  </p:childTnLst>
+                                </p:cTn>
+                              </p:par>
+                            </p:childTnLst>
+                          </p:cTn>
+                        </p:par>
+                      </p:childTnLst>
+                    </p:cTn>
+                  </p:par>
+                  <p:par>
+                    <p:cTn id="13" fill="hold">
+                      <p:stCondLst>
+                        <p:cond delay="indefinite"/>
+                      </p:stCondLst>
+                      <p:childTnLst>
+                        <p:par>
+                          <p:cTn id="14" fill="hold">
+                            <p:stCondLst>
+                              <p:cond delay="0"/>
+                            </p:stCondLst>
+                            <p:childTnLst>
+                              <p:par>
+                                <p:cTn id="15" presetID="6" presetClass="entr" presetSubtype="16" fill="hold" grpId="0" nodeType="clickEffect">
+                                  <p:stCondLst>
+                                    <p:cond delay="0"/>
+                                  </p:stCondLst>
+                                  <p:childTnLst>
+                                    <p:set>
+                                      <p:cBhvr>
+                                        <p:cTn id="16" dur="1" fill="hold">
+                                          <p:stCondLst>
+                                            <p:cond delay="0"/>
+                                          </p:stCondLst>
+                                        </p:cTn>
+                                        <p:tgtEl>
+                                          <p:spTgt spid="17"/>
+                                        </p:tgtEl>
+                                        <p:attrNameLst>
+                                          <p:attrName>style.visibility</p:attrName>
+                                        </p:attrNameLst>
+                                      </p:cBhvr>
+                                      <p:to>
+                                        <p:strVal val="visible"/>
+                                      </p:to>
+                                    </p:set>
+                                    <p:animEffect transition="in" filter="circle(in)">
+                                      <p:cBhvr>
+                                        <p:cTn id="17" dur="2000"/>
+                                        <p:tgtEl>
+                                          <p:spTgt spid="17"/>
+                                        </p:tgtEl>
+                                      </p:cBhvr>
+                                    </p:animEffect>
+                                  </p:childTnLst>
+                                </p:cTn>
+                              </p:par>
+                            </p:childTnLst>
+                          </p:cTn>
+                        </p:par>
+                      </p:childTnLst>
+                    </p:cTn>
+                  </p:par>
+                </p:childTnLst>
+              </p:cTn>
+              <p:prevCondLst>
+                <p:cond evt="onPrev" delay="0">
+                  <p:tgtEl>
+                    <p:sldTgt/>
+                  </p:tgtEl>
+                </p:cond>
+              </p:prevCondLst>
+              <p:nextCondLst>
+                <p:cond evt="onNext" delay="0">
+                  <p:tgtEl>
+                    <p:sldTgt/>
+                  </p:tgtEl>
+                </p:cond>
+              </p:nextCondLst>
+            </p:seq>
+          </p:childTnLst>
+        </p:cTn>
       </p:par>
     </p:tnLst>
+    <p:bldLst>
+      <p:bldP spid="10" grpId="0"/>
+      <p:bldP spid="15" grpId="0"/>
+      <p:bldP spid="17" grpId="0"/>
+    </p:bldLst>
+  </p:timing>
+</p:sld>
+</file>
+
+<file path=ppt/slides/slide4.xml><?xml version="1.0" encoding="utf-8"?>
+<p:sld xmlns:a="http://schemas.openxmlformats.org/drawingml/2006/main" xmlns:r="http://schemas.openxmlformats.org/officeDocument/2006/relationships" xmlns:p="http://schemas.openxmlformats.org/presentationml/2006/main">
+  <p:cSld>
+    <p:spTree>
+      <p:nvGrpSpPr>
+        <p:cNvPr id="1" name=""/>
+        <p:cNvGrpSpPr/>
+        <p:nvPr/>
+      </p:nvGrpSpPr>
+      <p:grpSpPr>
+        <a:xfrm>
+          <a:off x="0" y="0"/>
+          <a:ext cx="0" cy="0"/>
+          <a:chOff x="0" y="0"/>
+          <a:chExt cx="0" cy="0"/>
+        </a:xfrm>
+      </p:grpSpPr>
+      <p:sp>
+        <p:nvSpPr>
+          <p:cNvPr id="2" name="1 Rectángulo"/>
+          <p:cNvSpPr/>
+          <p:nvPr/>
+        </p:nvSpPr>
+        <p:spPr>
+          <a:xfrm>
+            <a:off x="8100392" y="0"/>
+            <a:ext cx="1043608" cy="6858000"/>
+          </a:xfrm>
+          <a:prstGeom prst="rect">
+            <a:avLst/>
+          </a:prstGeom>
+        </p:spPr>
+        <p:style>
+          <a:lnRef idx="1">
+            <a:schemeClr val="accent1"/>
+          </a:lnRef>
+          <a:fillRef idx="3">
+            <a:schemeClr val="accent1"/>
+          </a:fillRef>
+          <a:effectRef idx="2">
+            <a:schemeClr val="accent1"/>
+          </a:effectRef>
+          <a:fontRef idx="minor">
+            <a:schemeClr val="lt1"/>
+          </a:fontRef>
+        </p:style>
+        <p:txBody>
+          <a:bodyPr rtlCol="0" anchor="ctr"/>
+          <a:lstStyle/>
+          <a:p>
+            <a:pPr algn="ctr"/>
+            <a:endParaRPr lang="es-ES">
+              <a:solidFill>
+                <a:schemeClr val="tx1">
+                  <a:lumMod val="50000"/>
+                  <a:lumOff val="50000"/>
+                </a:schemeClr>
+              </a:solidFill>
+            </a:endParaRPr>
+          </a:p>
+        </p:txBody>
+      </p:sp>
+      <p:pic>
+        <p:nvPicPr>
+          <p:cNvPr id="5" name="Picture 2" descr="C:\xampp2\htdocs\Proyecto\PROYECTO\imagenes\logo.png"/>
+          <p:cNvPicPr>
+            <a:picLocks noChangeAspect="1" noChangeArrowheads="1"/>
+          </p:cNvPicPr>
+          <p:nvPr/>
+        </p:nvPicPr>
+        <p:blipFill>
+          <a:blip r:embed="rId2" cstate="print">
+            <a:extLst>
+              <a:ext uri="{28A0092B-C50C-407E-A947-70E740481C1C}">
+                <a14:useLocalDpi xmlns:a14="http://schemas.microsoft.com/office/drawing/2010/main" val="0"/>
+              </a:ext>
+            </a:extLst>
+          </a:blip>
+          <a:srcRect/>
+          <a:stretch>
+            <a:fillRect/>
+          </a:stretch>
+        </p:blipFill>
+        <p:spPr bwMode="auto">
+          <a:xfrm>
+            <a:off x="8100392" y="0"/>
+            <a:ext cx="1043607" cy="1193056"/>
+          </a:xfrm>
+          <a:prstGeom prst="rect">
+            <a:avLst/>
+          </a:prstGeom>
+          <a:noFill/>
+          <a:extLst>
+            <a:ext uri="{909E8E84-426E-40DD-AFC4-6F175D3DCCD1}">
+              <a14:hiddenFill xmlns:a14="http://schemas.microsoft.com/office/drawing/2010/main">
+                <a:solidFill>
+                  <a:srgbClr val="FFFFFF"/>
+                </a:solidFill>
+              </a14:hiddenFill>
+            </a:ext>
+          </a:extLst>
+        </p:spPr>
+      </p:pic>
+      <p:sp>
+        <p:nvSpPr>
+          <p:cNvPr id="9" name="2 Título"/>
+          <p:cNvSpPr txBox="1">
+            <a:spLocks/>
+          </p:cNvSpPr>
+          <p:nvPr/>
+        </p:nvSpPr>
+        <p:spPr>
+          <a:xfrm>
+            <a:off x="187896" y="269033"/>
+            <a:ext cx="7912496" cy="567679"/>
+          </a:xfrm>
+          <a:prstGeom prst="rect">
+            <a:avLst/>
+          </a:prstGeom>
+        </p:spPr>
+        <p:txBody>
+          <a:bodyPr vert="horz" lIns="91440" tIns="45720" rIns="91440" bIns="45720" rtlCol="0" anchor="ctr">
+            <a:noAutofit/>
+          </a:bodyPr>
+          <a:lstStyle>
+            <a:lvl1pPr algn="ctr" defTabSz="914400" rtl="0" eaLnBrk="1" latinLnBrk="0" hangingPunct="1">
+              <a:spcBef>
+                <a:spcPct val="0"/>
+              </a:spcBef>
+              <a:buNone/>
+              <a:defRPr sz="4400" kern="1200">
+                <a:solidFill>
+                  <a:schemeClr val="tx1"/>
+                </a:solidFill>
+                <a:latin typeface="+mj-lt"/>
+                <a:ea typeface="+mj-ea"/>
+                <a:cs typeface="+mj-cs"/>
+              </a:defRPr>
+            </a:lvl1pPr>
+          </a:lstStyle>
+          <a:p>
+            <a:r>
+              <a:rPr lang="es-ES" sz="3000" dirty="0" smtClean="0">
+                <a:latin typeface="Times New Roman" pitchFamily="18" charset="0"/>
+                <a:cs typeface="Times New Roman" pitchFamily="18" charset="0"/>
+              </a:rPr>
+              <a:t>Modelo E/R</a:t>
+            </a:r>
+            <a:endParaRPr lang="es-ES" sz="3000" dirty="0">
+              <a:latin typeface="Times New Roman" pitchFamily="18" charset="0"/>
+              <a:cs typeface="Times New Roman" pitchFamily="18" charset="0"/>
+            </a:endParaRPr>
+          </a:p>
+        </p:txBody>
+      </p:sp>
+      <p:sp>
+        <p:nvSpPr>
+          <p:cNvPr id="11" name="10 Rectángulo"/>
+          <p:cNvSpPr/>
+          <p:nvPr/>
+        </p:nvSpPr>
+        <p:spPr>
+          <a:xfrm>
+            <a:off x="554987" y="886557"/>
+            <a:ext cx="7344815" cy="45719"/>
+          </a:xfrm>
+          <a:prstGeom prst="rect">
+            <a:avLst/>
+          </a:prstGeom>
+          <a:ln>
+            <a:solidFill>
+              <a:schemeClr val="accent1"/>
+            </a:solidFill>
+          </a:ln>
+        </p:spPr>
+        <p:style>
+          <a:lnRef idx="2">
+            <a:schemeClr val="accent1">
+              <a:shade val="50000"/>
+            </a:schemeClr>
+          </a:lnRef>
+          <a:fillRef idx="1">
+            <a:schemeClr val="accent1"/>
+          </a:fillRef>
+          <a:effectRef idx="0">
+            <a:schemeClr val="accent1"/>
+          </a:effectRef>
+          <a:fontRef idx="minor">
+            <a:schemeClr val="lt1"/>
+          </a:fontRef>
+        </p:style>
+        <p:txBody>
+          <a:bodyPr rtlCol="0" anchor="ctr"/>
+          <a:lstStyle/>
+          <a:p>
+            <a:pPr algn="ctr"/>
+            <a:endParaRPr lang="es-ES"/>
+          </a:p>
+        </p:txBody>
+      </p:sp>
+      <p:pic>
+        <p:nvPicPr>
+          <p:cNvPr id="2052" name="Picture 4" descr="C:\xampp2\htdocs\Proyecto\diagramaE_R.jpg"/>
+          <p:cNvPicPr>
+            <a:picLocks noChangeAspect="1" noChangeArrowheads="1"/>
+          </p:cNvPicPr>
+          <p:nvPr/>
+        </p:nvPicPr>
+        <p:blipFill rotWithShape="1">
+          <a:blip r:embed="rId3">
+            <a:extLst>
+              <a:ext uri="{28A0092B-C50C-407E-A947-70E740481C1C}">
+                <a14:useLocalDpi xmlns:a14="http://schemas.microsoft.com/office/drawing/2010/main" val="0"/>
+              </a:ext>
+            </a:extLst>
+          </a:blip>
+          <a:srcRect l="15700" t="13337" r="18604" b="13337"/>
+          <a:stretch/>
+        </p:blipFill>
+        <p:spPr bwMode="auto">
+          <a:xfrm>
+            <a:off x="1604509" y="1268760"/>
+            <a:ext cx="5245769" cy="4896852"/>
+          </a:xfrm>
+          <a:prstGeom prst="rect">
+            <a:avLst/>
+          </a:prstGeom>
+          <a:noFill/>
+          <a:extLst>
+            <a:ext uri="{909E8E84-426E-40DD-AFC4-6F175D3DCCD1}">
+              <a14:hiddenFill xmlns:a14="http://schemas.microsoft.com/office/drawing/2010/main">
+                <a:solidFill>
+                  <a:srgbClr val="FFFFFF"/>
+                </a:solidFill>
+              </a14:hiddenFill>
+            </a:ext>
+          </a:extLst>
+        </p:spPr>
+      </p:pic>
+    </p:spTree>
+    <p:extLst>
+      <p:ext uri="{BB962C8B-B14F-4D97-AF65-F5344CB8AC3E}">
+        <p14:creationId xmlns:p14="http://schemas.microsoft.com/office/powerpoint/2010/main" val="3785021229"/>
+      </p:ext>
+    </p:extLst>
+  </p:cSld>
+  <p:clrMapOvr>
+    <a:masterClrMapping/>
+  </p:clrMapOvr>
+  <mc:AlternateContent xmlns:mc="http://schemas.openxmlformats.org/markup-compatibility/2006" xmlns:p14="http://schemas.microsoft.com/office/powerpoint/2010/main">
+    <mc:Choice Requires="p14">
+      <p:transition spd="slow" p14:dur="3400">
+        <p14:reveal/>
+      </p:transition>
+    </mc:Choice>
+    <mc:Fallback xmlns="">
+      <p:transition spd="slow">
+        <p:fade/>
+      </p:transition>
+    </mc:Fallback>
+  </mc:AlternateContent>
+  <p:timing>
+    <p:tnLst>
+      <p:par>
+        <p:cTn id="1" dur="indefinite" restart="never" nodeType="tmRoot">
+          <p:childTnLst>
+            <p:seq concurrent="1" nextAc="seek">
+              <p:cTn id="2" dur="indefinite" nodeType="mainSeq">
+                <p:childTnLst>
+                  <p:par>
+                    <p:cTn id="3" fill="hold">
+                      <p:stCondLst>
+                        <p:cond delay="indefinite"/>
+                      </p:stCondLst>
+                      <p:childTnLst>
+                        <p:par>
+                          <p:cTn id="4" fill="hold">
+                            <p:stCondLst>
+                              <p:cond delay="0"/>
+                            </p:stCondLst>
+                            <p:childTnLst>
+                              <p:par>
+                                <p:cTn id="5" presetID="16" presetClass="entr" presetSubtype="21" fill="hold" nodeType="clickEffect">
+                                  <p:stCondLst>
+                                    <p:cond delay="0"/>
+                                  </p:stCondLst>
+                                  <p:childTnLst>
+                                    <p:set>
+                                      <p:cBhvr>
+                                        <p:cTn id="6" dur="1" fill="hold">
+                                          <p:stCondLst>
+                                            <p:cond delay="0"/>
+                                          </p:stCondLst>
+                                        </p:cTn>
+                                        <p:tgtEl>
+                                          <p:spTgt spid="2052"/>
+                                        </p:tgtEl>
+                                        <p:attrNameLst>
+                                          <p:attrName>style.visibility</p:attrName>
+                                        </p:attrNameLst>
+                                      </p:cBhvr>
+                                      <p:to>
+                                        <p:strVal val="visible"/>
+                                      </p:to>
+                                    </p:set>
+                                    <p:animEffect transition="in" filter="barn(inVertical)">
+                                      <p:cBhvr>
+                                        <p:cTn id="7" dur="500"/>
+                                        <p:tgtEl>
+                                          <p:spTgt spid="2052"/>
+                                        </p:tgtEl>
+                                      </p:cBhvr>
+                                    </p:animEffect>
+                                  </p:childTnLst>
+                                </p:cTn>
+                              </p:par>
+                            </p:childTnLst>
+                          </p:cTn>
+                        </p:par>
+                      </p:childTnLst>
+                    </p:cTn>
+                  </p:par>
+                </p:childTnLst>
+              </p:cTn>
+              <p:prevCondLst>
+                <p:cond evt="onPrev" delay="0">
+                  <p:tgtEl>
+                    <p:sldTgt/>
+                  </p:tgtEl>
+                </p:cond>
+              </p:prevCondLst>
+              <p:nextCondLst>
+                <p:cond evt="onNext" delay="0">
+                  <p:tgtEl>
+                    <p:sldTgt/>
+                  </p:tgtEl>
+                </p:cond>
+              </p:nextCondLst>
+            </p:seq>
+          </p:childTnLst>
+        </p:cTn>
+      </p:par>
+    </p:tnLst>
+  </p:timing>
+</p:sld>
+</file>
+
+<file path=ppt/slides/slide5.xml><?xml version="1.0" encoding="utf-8"?>
+<p:sld xmlns:a="http://schemas.openxmlformats.org/drawingml/2006/main" xmlns:r="http://schemas.openxmlformats.org/officeDocument/2006/relationships" xmlns:p="http://schemas.openxmlformats.org/presentationml/2006/main">
+  <p:cSld>
+    <p:spTree>
+      <p:nvGrpSpPr>
+        <p:cNvPr id="1" name=""/>
+        <p:cNvGrpSpPr/>
+        <p:nvPr/>
+      </p:nvGrpSpPr>
+      <p:grpSpPr>
+        <a:xfrm>
+          <a:off x="0" y="0"/>
+          <a:ext cx="0" cy="0"/>
+          <a:chOff x="0" y="0"/>
+          <a:chExt cx="0" cy="0"/>
+        </a:xfrm>
+      </p:grpSpPr>
+      <p:sp>
+        <p:nvSpPr>
+          <p:cNvPr id="2" name="1 Rectángulo"/>
+          <p:cNvSpPr/>
+          <p:nvPr/>
+        </p:nvSpPr>
+        <p:spPr>
+          <a:xfrm>
+            <a:off x="8100392" y="0"/>
+            <a:ext cx="1043608" cy="6858000"/>
+          </a:xfrm>
+          <a:prstGeom prst="rect">
+            <a:avLst/>
+          </a:prstGeom>
+        </p:spPr>
+        <p:style>
+          <a:lnRef idx="1">
+            <a:schemeClr val="accent1"/>
+          </a:lnRef>
+          <a:fillRef idx="3">
+            <a:schemeClr val="accent1"/>
+          </a:fillRef>
+          <a:effectRef idx="2">
+            <a:schemeClr val="accent1"/>
+          </a:effectRef>
+          <a:fontRef idx="minor">
+            <a:schemeClr val="lt1"/>
+          </a:fontRef>
+        </p:style>
+        <p:txBody>
+          <a:bodyPr rtlCol="0" anchor="ctr"/>
+          <a:lstStyle/>
+          <a:p>
+            <a:pPr algn="ctr"/>
+            <a:endParaRPr lang="es-ES">
+              <a:solidFill>
+                <a:schemeClr val="tx1">
+                  <a:lumMod val="50000"/>
+                  <a:lumOff val="50000"/>
+                </a:schemeClr>
+              </a:solidFill>
+            </a:endParaRPr>
+          </a:p>
+        </p:txBody>
+      </p:sp>
+      <p:pic>
+        <p:nvPicPr>
+          <p:cNvPr id="5" name="Picture 2" descr="C:\xampp2\htdocs\Proyecto\PROYECTO\imagenes\logo.png"/>
+          <p:cNvPicPr>
+            <a:picLocks noChangeAspect="1" noChangeArrowheads="1"/>
+          </p:cNvPicPr>
+          <p:nvPr/>
+        </p:nvPicPr>
+        <p:blipFill>
+          <a:blip r:embed="rId2" cstate="print">
+            <a:extLst>
+              <a:ext uri="{28A0092B-C50C-407E-A947-70E740481C1C}">
+                <a14:useLocalDpi xmlns:a14="http://schemas.microsoft.com/office/drawing/2010/main" val="0"/>
+              </a:ext>
+            </a:extLst>
+          </a:blip>
+          <a:srcRect/>
+          <a:stretch>
+            <a:fillRect/>
+          </a:stretch>
+        </p:blipFill>
+        <p:spPr bwMode="auto">
+          <a:xfrm>
+            <a:off x="8100392" y="0"/>
+            <a:ext cx="1043607" cy="1193056"/>
+          </a:xfrm>
+          <a:prstGeom prst="rect">
+            <a:avLst/>
+          </a:prstGeom>
+          <a:noFill/>
+          <a:extLst>
+            <a:ext uri="{909E8E84-426E-40DD-AFC4-6F175D3DCCD1}">
+              <a14:hiddenFill xmlns:a14="http://schemas.microsoft.com/office/drawing/2010/main">
+                <a:solidFill>
+                  <a:srgbClr val="FFFFFF"/>
+                </a:solidFill>
+              </a14:hiddenFill>
+            </a:ext>
+          </a:extLst>
+        </p:spPr>
+      </p:pic>
+      <p:sp>
+        <p:nvSpPr>
+          <p:cNvPr id="9" name="2 Título"/>
+          <p:cNvSpPr txBox="1">
+            <a:spLocks/>
+          </p:cNvSpPr>
+          <p:nvPr/>
+        </p:nvSpPr>
+        <p:spPr>
+          <a:xfrm>
+            <a:off x="187896" y="269033"/>
+            <a:ext cx="7912496" cy="567679"/>
+          </a:xfrm>
+          <a:prstGeom prst="rect">
+            <a:avLst/>
+          </a:prstGeom>
+        </p:spPr>
+        <p:txBody>
+          <a:bodyPr vert="horz" lIns="91440" tIns="45720" rIns="91440" bIns="45720" rtlCol="0" anchor="ctr">
+            <a:noAutofit/>
+          </a:bodyPr>
+          <a:lstStyle>
+            <a:lvl1pPr algn="ctr" defTabSz="914400" rtl="0" eaLnBrk="1" latinLnBrk="0" hangingPunct="1">
+              <a:spcBef>
+                <a:spcPct val="0"/>
+              </a:spcBef>
+              <a:buNone/>
+              <a:defRPr sz="4400" kern="1200">
+                <a:solidFill>
+                  <a:schemeClr val="tx1"/>
+                </a:solidFill>
+                <a:latin typeface="+mj-lt"/>
+                <a:ea typeface="+mj-ea"/>
+                <a:cs typeface="+mj-cs"/>
+              </a:defRPr>
+            </a:lvl1pPr>
+          </a:lstStyle>
+          <a:p>
+            <a:r>
+              <a:rPr lang="es-ES" sz="3000" dirty="0" smtClean="0">
+                <a:latin typeface="Times New Roman" pitchFamily="18" charset="0"/>
+                <a:cs typeface="Times New Roman" pitchFamily="18" charset="0"/>
+              </a:rPr>
+              <a:t>Diagrama de flujo de pantallas</a:t>
+            </a:r>
+            <a:endParaRPr lang="es-ES" sz="3000" dirty="0">
+              <a:latin typeface="Times New Roman" pitchFamily="18" charset="0"/>
+              <a:cs typeface="Times New Roman" pitchFamily="18" charset="0"/>
+            </a:endParaRPr>
+          </a:p>
+        </p:txBody>
+      </p:sp>
+      <p:sp>
+        <p:nvSpPr>
+          <p:cNvPr id="11" name="10 Rectángulo"/>
+          <p:cNvSpPr/>
+          <p:nvPr/>
+        </p:nvSpPr>
+        <p:spPr>
+          <a:xfrm>
+            <a:off x="554987" y="886557"/>
+            <a:ext cx="7344815" cy="45719"/>
+          </a:xfrm>
+          <a:prstGeom prst="rect">
+            <a:avLst/>
+          </a:prstGeom>
+          <a:ln>
+            <a:solidFill>
+              <a:schemeClr val="accent1"/>
+            </a:solidFill>
+          </a:ln>
+        </p:spPr>
+        <p:style>
+          <a:lnRef idx="2">
+            <a:schemeClr val="accent1">
+              <a:shade val="50000"/>
+            </a:schemeClr>
+          </a:lnRef>
+          <a:fillRef idx="1">
+            <a:schemeClr val="accent1"/>
+          </a:fillRef>
+          <a:effectRef idx="0">
+            <a:schemeClr val="accent1"/>
+          </a:effectRef>
+          <a:fontRef idx="minor">
+            <a:schemeClr val="lt1"/>
+          </a:fontRef>
+        </p:style>
+        <p:txBody>
+          <a:bodyPr rtlCol="0" anchor="ctr"/>
+          <a:lstStyle/>
+          <a:p>
+            <a:pPr algn="ctr"/>
+            <a:endParaRPr lang="es-ES"/>
+          </a:p>
+        </p:txBody>
+      </p:sp>
+      <p:pic>
+        <p:nvPicPr>
+          <p:cNvPr id="3074" name="Picture 2" descr="C:\xampp2\htdocs\Proyecto\diagramaPantallas.png"/>
+          <p:cNvPicPr>
+            <a:picLocks noChangeAspect="1" noChangeArrowheads="1"/>
+          </p:cNvPicPr>
+          <p:nvPr/>
+        </p:nvPicPr>
+        <p:blipFill>
+          <a:blip r:embed="rId3">
+            <a:extLst>
+              <a:ext uri="{28A0092B-C50C-407E-A947-70E740481C1C}">
+                <a14:useLocalDpi xmlns:a14="http://schemas.microsoft.com/office/drawing/2010/main" val="0"/>
+              </a:ext>
+            </a:extLst>
+          </a:blip>
+          <a:srcRect/>
+          <a:stretch>
+            <a:fillRect/>
+          </a:stretch>
+        </p:blipFill>
+        <p:spPr bwMode="auto">
+          <a:xfrm>
+            <a:off x="899592" y="1052736"/>
+            <a:ext cx="6408712" cy="5635302"/>
+          </a:xfrm>
+          <a:prstGeom prst="rect">
+            <a:avLst/>
+          </a:prstGeom>
+          <a:noFill/>
+          <a:extLst>
+            <a:ext uri="{909E8E84-426E-40DD-AFC4-6F175D3DCCD1}">
+              <a14:hiddenFill xmlns:a14="http://schemas.microsoft.com/office/drawing/2010/main">
+                <a:solidFill>
+                  <a:srgbClr val="FFFFFF"/>
+                </a:solidFill>
+              </a14:hiddenFill>
+            </a:ext>
+          </a:extLst>
+        </p:spPr>
+      </p:pic>
+    </p:spTree>
+    <p:extLst>
+      <p:ext uri="{BB962C8B-B14F-4D97-AF65-F5344CB8AC3E}">
+        <p14:creationId xmlns:p14="http://schemas.microsoft.com/office/powerpoint/2010/main" val="445000351"/>
+      </p:ext>
+    </p:extLst>
+  </p:cSld>
+  <p:clrMapOvr>
+    <a:masterClrMapping/>
+  </p:clrMapOvr>
+  <mc:AlternateContent xmlns:mc="http://schemas.openxmlformats.org/markup-compatibility/2006" xmlns:p14="http://schemas.microsoft.com/office/powerpoint/2010/main">
+    <mc:Choice Requires="p14">
+      <p:transition spd="slow" p14:dur="3400">
+        <p14:reveal/>
+      </p:transition>
+    </mc:Choice>
+    <mc:Fallback xmlns="">
+      <p:transition spd="slow">
+        <p:fade/>
+      </p:transition>
+    </mc:Fallback>
+  </mc:AlternateContent>
+  <p:timing>
+    <p:tnLst>
+      <p:par>
+        <p:cTn id="1" dur="indefinite" restart="never" nodeType="tmRoot">
+          <p:childTnLst>
+            <p:seq concurrent="1" nextAc="seek">
+              <p:cTn id="2" dur="indefinite" nodeType="mainSeq">
+                <p:childTnLst>
+                  <p:par>
+                    <p:cTn id="3" fill="hold">
+                      <p:stCondLst>
+                        <p:cond delay="indefinite"/>
+                      </p:stCondLst>
+                      <p:childTnLst>
+                        <p:par>
+                          <p:cTn id="4" fill="hold">
+                            <p:stCondLst>
+                              <p:cond delay="0"/>
+                            </p:stCondLst>
+                            <p:childTnLst>
+                              <p:par>
+                                <p:cTn id="5" presetID="10" presetClass="entr" presetSubtype="0" fill="hold" nodeType="clickEffect">
+                                  <p:stCondLst>
+                                    <p:cond delay="0"/>
+                                  </p:stCondLst>
+                                  <p:childTnLst>
+                                    <p:set>
+                                      <p:cBhvr>
+                                        <p:cTn id="6" dur="1" fill="hold">
+                                          <p:stCondLst>
+                                            <p:cond delay="0"/>
+                                          </p:stCondLst>
+                                        </p:cTn>
+                                        <p:tgtEl>
+                                          <p:spTgt spid="3074"/>
+                                        </p:tgtEl>
+                                        <p:attrNameLst>
+                                          <p:attrName>style.visibility</p:attrName>
+                                        </p:attrNameLst>
+                                      </p:cBhvr>
+                                      <p:to>
+                                        <p:strVal val="visible"/>
+                                      </p:to>
+                                    </p:set>
+                                    <p:animEffect transition="in" filter="fade">
+                                      <p:cBhvr>
+                                        <p:cTn id="7" dur="500"/>
+                                        <p:tgtEl>
+                                          <p:spTgt spid="3074"/>
+                                        </p:tgtEl>
+                                      </p:cBhvr>
+                                    </p:animEffect>
+                                  </p:childTnLst>
+                                </p:cTn>
+                              </p:par>
+                            </p:childTnLst>
+                          </p:cTn>
+                        </p:par>
+                      </p:childTnLst>
+                    </p:cTn>
+                  </p:par>
+                </p:childTnLst>
+              </p:cTn>
+              <p:prevCondLst>
+                <p:cond evt="onPrev" delay="0">
+                  <p:tgtEl>
+                    <p:sldTgt/>
+                  </p:tgtEl>
+                </p:cond>
+              </p:prevCondLst>
+              <p:nextCondLst>
+                <p:cond evt="onNext" delay="0">
+                  <p:tgtEl>
+                    <p:sldTgt/>
+                  </p:tgtEl>
+                </p:cond>
+              </p:nextCondLst>
+            </p:seq>
+          </p:childTnLst>
+        </p:cTn>
+      </p:par>
+    </p:tnLst>
+  </p:timing>
+</p:sld>
+</file>
+
+<file path=ppt/slides/slide6.xml><?xml version="1.0" encoding="utf-8"?>
+<p:sld xmlns:a="http://schemas.openxmlformats.org/drawingml/2006/main" xmlns:r="http://schemas.openxmlformats.org/officeDocument/2006/relationships" xmlns:p="http://schemas.openxmlformats.org/presentationml/2006/main">
+  <p:cSld>
+    <p:spTree>
+      <p:nvGrpSpPr>
+        <p:cNvPr id="1" name=""/>
+        <p:cNvGrpSpPr/>
+        <p:nvPr/>
+      </p:nvGrpSpPr>
+      <p:grpSpPr>
+        <a:xfrm>
+          <a:off x="0" y="0"/>
+          <a:ext cx="0" cy="0"/>
+          <a:chOff x="0" y="0"/>
+          <a:chExt cx="0" cy="0"/>
+        </a:xfrm>
+      </p:grpSpPr>
+      <p:sp>
+        <p:nvSpPr>
+          <p:cNvPr id="2" name="1 Rectángulo"/>
+          <p:cNvSpPr/>
+          <p:nvPr/>
+        </p:nvSpPr>
+        <p:spPr>
+          <a:xfrm>
+            <a:off x="8100392" y="0"/>
+            <a:ext cx="1043608" cy="6858000"/>
+          </a:xfrm>
+          <a:prstGeom prst="rect">
+            <a:avLst/>
+          </a:prstGeom>
+        </p:spPr>
+        <p:style>
+          <a:lnRef idx="1">
+            <a:schemeClr val="accent1"/>
+          </a:lnRef>
+          <a:fillRef idx="3">
+            <a:schemeClr val="accent1"/>
+          </a:fillRef>
+          <a:effectRef idx="2">
+            <a:schemeClr val="accent1"/>
+          </a:effectRef>
+          <a:fontRef idx="minor">
+            <a:schemeClr val="lt1"/>
+          </a:fontRef>
+        </p:style>
+        <p:txBody>
+          <a:bodyPr rtlCol="0" anchor="ctr"/>
+          <a:lstStyle/>
+          <a:p>
+            <a:pPr algn="ctr"/>
+            <a:endParaRPr lang="es-ES">
+              <a:solidFill>
+                <a:schemeClr val="tx1">
+                  <a:lumMod val="50000"/>
+                  <a:lumOff val="50000"/>
+                </a:schemeClr>
+              </a:solidFill>
+            </a:endParaRPr>
+          </a:p>
+        </p:txBody>
+      </p:sp>
+      <p:pic>
+        <p:nvPicPr>
+          <p:cNvPr id="5" name="Picture 2" descr="C:\xampp2\htdocs\Proyecto\PROYECTO\imagenes\logo.png"/>
+          <p:cNvPicPr>
+            <a:picLocks noChangeAspect="1" noChangeArrowheads="1"/>
+          </p:cNvPicPr>
+          <p:nvPr/>
+        </p:nvPicPr>
+        <p:blipFill>
+          <a:blip r:embed="rId2" cstate="print">
+            <a:extLst>
+              <a:ext uri="{28A0092B-C50C-407E-A947-70E740481C1C}">
+                <a14:useLocalDpi xmlns:a14="http://schemas.microsoft.com/office/drawing/2010/main" val="0"/>
+              </a:ext>
+            </a:extLst>
+          </a:blip>
+          <a:srcRect/>
+          <a:stretch>
+            <a:fillRect/>
+          </a:stretch>
+        </p:blipFill>
+        <p:spPr bwMode="auto">
+          <a:xfrm>
+            <a:off x="8100392" y="0"/>
+            <a:ext cx="1043607" cy="1193056"/>
+          </a:xfrm>
+          <a:prstGeom prst="rect">
+            <a:avLst/>
+          </a:prstGeom>
+          <a:noFill/>
+          <a:extLst>
+            <a:ext uri="{909E8E84-426E-40DD-AFC4-6F175D3DCCD1}">
+              <a14:hiddenFill xmlns:a14="http://schemas.microsoft.com/office/drawing/2010/main">
+                <a:solidFill>
+                  <a:srgbClr val="FFFFFF"/>
+                </a:solidFill>
+              </a14:hiddenFill>
+            </a:ext>
+          </a:extLst>
+        </p:spPr>
+      </p:pic>
+      <p:sp>
+        <p:nvSpPr>
+          <p:cNvPr id="9" name="2 Título"/>
+          <p:cNvSpPr txBox="1">
+            <a:spLocks/>
+          </p:cNvSpPr>
+          <p:nvPr/>
+        </p:nvSpPr>
+        <p:spPr>
+          <a:xfrm>
+            <a:off x="187896" y="269033"/>
+            <a:ext cx="7912496" cy="567679"/>
+          </a:xfrm>
+          <a:prstGeom prst="rect">
+            <a:avLst/>
+          </a:prstGeom>
+        </p:spPr>
+        <p:txBody>
+          <a:bodyPr vert="horz" lIns="91440" tIns="45720" rIns="91440" bIns="45720" rtlCol="0" anchor="ctr">
+            <a:noAutofit/>
+          </a:bodyPr>
+          <a:lstStyle>
+            <a:lvl1pPr algn="ctr" defTabSz="914400" rtl="0" eaLnBrk="1" latinLnBrk="0" hangingPunct="1">
+              <a:spcBef>
+                <a:spcPct val="0"/>
+              </a:spcBef>
+              <a:buNone/>
+              <a:defRPr sz="4400" kern="1200">
+                <a:solidFill>
+                  <a:schemeClr val="tx1"/>
+                </a:solidFill>
+                <a:latin typeface="+mj-lt"/>
+                <a:ea typeface="+mj-ea"/>
+                <a:cs typeface="+mj-cs"/>
+              </a:defRPr>
+            </a:lvl1pPr>
+          </a:lstStyle>
+          <a:p>
+            <a:r>
+              <a:rPr lang="es-ES" sz="3000" dirty="0" smtClean="0">
+                <a:latin typeface="Times New Roman" pitchFamily="18" charset="0"/>
+                <a:cs typeface="Times New Roman" pitchFamily="18" charset="0"/>
+              </a:rPr>
+              <a:t>Conclusiones</a:t>
+            </a:r>
+            <a:endParaRPr lang="es-ES" sz="3000" dirty="0">
+              <a:latin typeface="Times New Roman" pitchFamily="18" charset="0"/>
+              <a:cs typeface="Times New Roman" pitchFamily="18" charset="0"/>
+            </a:endParaRPr>
+          </a:p>
+        </p:txBody>
+      </p:sp>
+      <p:sp>
+        <p:nvSpPr>
+          <p:cNvPr id="10" name="9 CuadroTexto"/>
+          <p:cNvSpPr txBox="1"/>
+          <p:nvPr/>
+        </p:nvSpPr>
+        <p:spPr>
+          <a:xfrm>
+            <a:off x="530924" y="2187850"/>
+            <a:ext cx="6912768" cy="461665"/>
+          </a:xfrm>
+          <a:prstGeom prst="rect">
+            <a:avLst/>
+          </a:prstGeom>
+          <a:noFill/>
+        </p:spPr>
+        <p:txBody>
+          <a:bodyPr wrap="square" rtlCol="0">
+            <a:spAutoFit/>
+          </a:bodyPr>
+          <a:lstStyle/>
+          <a:p>
+            <a:pPr marL="285750" indent="-285750">
+              <a:buFont typeface="Arial" pitchFamily="34" charset="0"/>
+              <a:buChar char="•"/>
+            </a:pPr>
+            <a:r>
+              <a:rPr lang="es-ES" sz="2400" dirty="0" smtClean="0">
+                <a:latin typeface="Times New Roman" pitchFamily="18" charset="0"/>
+                <a:cs typeface="Times New Roman" pitchFamily="18" charset="0"/>
+              </a:rPr>
+              <a:t>Incremento de las ventas</a:t>
+            </a:r>
+            <a:endParaRPr lang="es-ES" sz="2400" dirty="0">
+              <a:latin typeface="Times New Roman" pitchFamily="18" charset="0"/>
+              <a:cs typeface="Times New Roman" pitchFamily="18" charset="0"/>
+            </a:endParaRPr>
+          </a:p>
+        </p:txBody>
+      </p:sp>
+      <p:sp>
+        <p:nvSpPr>
+          <p:cNvPr id="15" name="14 CuadroTexto"/>
+          <p:cNvSpPr txBox="1"/>
+          <p:nvPr/>
+        </p:nvSpPr>
+        <p:spPr>
+          <a:xfrm>
+            <a:off x="539552" y="2772821"/>
+            <a:ext cx="6984776" cy="461665"/>
+          </a:xfrm>
+          <a:prstGeom prst="rect">
+            <a:avLst/>
+          </a:prstGeom>
+          <a:noFill/>
+        </p:spPr>
+        <p:txBody>
+          <a:bodyPr wrap="square" rtlCol="0">
+            <a:spAutoFit/>
+          </a:bodyPr>
+          <a:lstStyle/>
+          <a:p>
+            <a:pPr marL="285750" indent="-285750">
+              <a:buFont typeface="Arial" pitchFamily="34" charset="0"/>
+              <a:buChar char="•"/>
+            </a:pPr>
+            <a:r>
+              <a:rPr lang="es-ES" sz="2400" dirty="0" smtClean="0">
+                <a:latin typeface="Times New Roman" pitchFamily="18" charset="0"/>
+                <a:cs typeface="Times New Roman" pitchFamily="18" charset="0"/>
+              </a:rPr>
+              <a:t>Nuevos clientes y personas que conocen la empresa</a:t>
+            </a:r>
+            <a:endParaRPr lang="es-ES" sz="2400" dirty="0">
+              <a:latin typeface="Times New Roman" pitchFamily="18" charset="0"/>
+              <a:cs typeface="Times New Roman" pitchFamily="18" charset="0"/>
+            </a:endParaRPr>
+          </a:p>
+        </p:txBody>
+      </p:sp>
+      <p:sp>
+        <p:nvSpPr>
+          <p:cNvPr id="17" name="16 CuadroTexto"/>
+          <p:cNvSpPr txBox="1"/>
+          <p:nvPr/>
+        </p:nvSpPr>
+        <p:spPr>
+          <a:xfrm>
+            <a:off x="530925" y="3356992"/>
+            <a:ext cx="6633363" cy="461665"/>
+          </a:xfrm>
+          <a:prstGeom prst="rect">
+            <a:avLst/>
+          </a:prstGeom>
+          <a:noFill/>
+        </p:spPr>
+        <p:txBody>
+          <a:bodyPr wrap="square" rtlCol="0">
+            <a:spAutoFit/>
+          </a:bodyPr>
+          <a:lstStyle/>
+          <a:p>
+            <a:pPr marL="285750" indent="-285750">
+              <a:buFont typeface="Arial" pitchFamily="34" charset="0"/>
+              <a:buChar char="•"/>
+            </a:pPr>
+            <a:r>
+              <a:rPr lang="es-ES" sz="2400" dirty="0" smtClean="0">
+                <a:latin typeface="Times New Roman" pitchFamily="18" charset="0"/>
+                <a:cs typeface="Times New Roman" pitchFamily="18" charset="0"/>
+              </a:rPr>
+              <a:t>El usuario se siente cómodo y confía en nosotros</a:t>
+            </a:r>
+            <a:endParaRPr lang="es-ES" sz="2400" dirty="0">
+              <a:latin typeface="Times New Roman" pitchFamily="18" charset="0"/>
+              <a:cs typeface="Times New Roman" pitchFamily="18" charset="0"/>
+            </a:endParaRPr>
+          </a:p>
+        </p:txBody>
+      </p:sp>
+      <p:sp>
+        <p:nvSpPr>
+          <p:cNvPr id="11" name="10 Rectángulo"/>
+          <p:cNvSpPr/>
+          <p:nvPr/>
+        </p:nvSpPr>
+        <p:spPr>
+          <a:xfrm>
+            <a:off x="554987" y="886557"/>
+            <a:ext cx="7344815" cy="45719"/>
+          </a:xfrm>
+          <a:prstGeom prst="rect">
+            <a:avLst/>
+          </a:prstGeom>
+          <a:ln>
+            <a:solidFill>
+              <a:schemeClr val="accent1"/>
+            </a:solidFill>
+          </a:ln>
+        </p:spPr>
+        <p:style>
+          <a:lnRef idx="2">
+            <a:schemeClr val="accent1">
+              <a:shade val="50000"/>
+            </a:schemeClr>
+          </a:lnRef>
+          <a:fillRef idx="1">
+            <a:schemeClr val="accent1"/>
+          </a:fillRef>
+          <a:effectRef idx="0">
+            <a:schemeClr val="accent1"/>
+          </a:effectRef>
+          <a:fontRef idx="minor">
+            <a:schemeClr val="lt1"/>
+          </a:fontRef>
+        </p:style>
+        <p:txBody>
+          <a:bodyPr rtlCol="0" anchor="ctr"/>
+          <a:lstStyle/>
+          <a:p>
+            <a:pPr algn="ctr"/>
+            <a:endParaRPr lang="es-ES"/>
+          </a:p>
+        </p:txBody>
+      </p:sp>
+    </p:spTree>
+    <p:extLst>
+      <p:ext uri="{BB962C8B-B14F-4D97-AF65-F5344CB8AC3E}">
+        <p14:creationId xmlns:p14="http://schemas.microsoft.com/office/powerpoint/2010/main" val="3626499901"/>
+      </p:ext>
+    </p:extLst>
+  </p:cSld>
+  <p:clrMapOvr>
+    <a:masterClrMapping/>
+  </p:clrMapOvr>
+  <mc:AlternateContent xmlns:mc="http://schemas.openxmlformats.org/markup-compatibility/2006" xmlns:p14="http://schemas.microsoft.com/office/powerpoint/2010/main">
+    <mc:Choice Requires="p14">
+      <p:transition spd="slow" p14:dur="3400">
+        <p14:reveal/>
+      </p:transition>
+    </mc:Choice>
+    <mc:Fallback xmlns="">
+      <p:transition spd="slow">
+        <p:fade/>
+      </p:transition>
+    </mc:Fallback>
+  </mc:AlternateContent>
+  <p:timing>
+    <p:tnLst>
+      <p:par>
+        <p:cTn id="1" dur="indefinite" restart="never" nodeType="tmRoot">
+          <p:childTnLst>
+            <p:seq concurrent="1" nextAc="seek">
+              <p:cTn id="2" dur="indefinite" nodeType="mainSeq">
+                <p:childTnLst>
+                  <p:par>
+                    <p:cTn id="3" fill="hold">
+                      <p:stCondLst>
+                        <p:cond delay="indefinite"/>
+                      </p:stCondLst>
+                      <p:childTnLst>
+                        <p:par>
+                          <p:cTn id="4" fill="hold">
+                            <p:stCondLst>
+                              <p:cond delay="0"/>
+                            </p:stCondLst>
+                            <p:childTnLst>
+                              <p:par>
+                                <p:cTn id="5" presetID="6" presetClass="entr" presetSubtype="16" fill="hold" grpId="0" nodeType="clickEffect">
+                                  <p:stCondLst>
+                                    <p:cond delay="0"/>
+                                  </p:stCondLst>
+                                  <p:childTnLst>
+                                    <p:set>
+                                      <p:cBhvr>
+                                        <p:cTn id="6" dur="1" fill="hold">
+                                          <p:stCondLst>
+                                            <p:cond delay="0"/>
+                                          </p:stCondLst>
+                                        </p:cTn>
+                                        <p:tgtEl>
+                                          <p:spTgt spid="10"/>
+                                        </p:tgtEl>
+                                        <p:attrNameLst>
+                                          <p:attrName>style.visibility</p:attrName>
+                                        </p:attrNameLst>
+                                      </p:cBhvr>
+                                      <p:to>
+                                        <p:strVal val="visible"/>
+                                      </p:to>
+                                    </p:set>
+                                    <p:animEffect transition="in" filter="circle(in)">
+                                      <p:cBhvr>
+                                        <p:cTn id="7" dur="2000"/>
+                                        <p:tgtEl>
+                                          <p:spTgt spid="10"/>
+                                        </p:tgtEl>
+                                      </p:cBhvr>
+                                    </p:animEffect>
+                                  </p:childTnLst>
+                                </p:cTn>
+                              </p:par>
+                            </p:childTnLst>
+                          </p:cTn>
+                        </p:par>
+                      </p:childTnLst>
+                    </p:cTn>
+                  </p:par>
+                  <p:par>
+                    <p:cTn id="8" fill="hold">
+                      <p:stCondLst>
+                        <p:cond delay="indefinite"/>
+                      </p:stCondLst>
+                      <p:childTnLst>
+                        <p:par>
+                          <p:cTn id="9" fill="hold">
+                            <p:stCondLst>
+                              <p:cond delay="0"/>
+                            </p:stCondLst>
+                            <p:childTnLst>
+                              <p:par>
+                                <p:cTn id="10" presetID="6" presetClass="entr" presetSubtype="16" fill="hold" grpId="0" nodeType="clickEffect">
+                                  <p:stCondLst>
+                                    <p:cond delay="0"/>
+                                  </p:stCondLst>
+                                  <p:childTnLst>
+                                    <p:set>
+                                      <p:cBhvr>
+                                        <p:cTn id="11" dur="1" fill="hold">
+                                          <p:stCondLst>
+                                            <p:cond delay="0"/>
+                                          </p:stCondLst>
+                                        </p:cTn>
+                                        <p:tgtEl>
+                                          <p:spTgt spid="15"/>
+                                        </p:tgtEl>
+                                        <p:attrNameLst>
+                                          <p:attrName>style.visibility</p:attrName>
+                                        </p:attrNameLst>
+                                      </p:cBhvr>
+                                      <p:to>
+                                        <p:strVal val="visible"/>
+                                      </p:to>
+                                    </p:set>
+                                    <p:animEffect transition="in" filter="circle(in)">
+                                      <p:cBhvr>
+                                        <p:cTn id="12" dur="2000"/>
+                                        <p:tgtEl>
+                                          <p:spTgt spid="15"/>
+                                        </p:tgtEl>
+                                      </p:cBhvr>
+                                    </p:animEffect>
+                                  </p:childTnLst>
+                                </p:cTn>
+                              </p:par>
+                            </p:childTnLst>
+                          </p:cTn>
+                        </p:par>
+                      </p:childTnLst>
+                    </p:cTn>
+                  </p:par>
+                  <p:par>
+                    <p:cTn id="13" fill="hold">
+                      <p:stCondLst>
+                        <p:cond delay="indefinite"/>
+                      </p:stCondLst>
+                      <p:childTnLst>
+                        <p:par>
+                          <p:cTn id="14" fill="hold">
+                            <p:stCondLst>
+                              <p:cond delay="0"/>
+                            </p:stCondLst>
+                            <p:childTnLst>
+                              <p:par>
+                                <p:cTn id="15" presetID="6" presetClass="entr" presetSubtype="16" fill="hold" grpId="0" nodeType="clickEffect">
+                                  <p:stCondLst>
+                                    <p:cond delay="0"/>
+                                  </p:stCondLst>
+                                  <p:childTnLst>
+                                    <p:set>
+                                      <p:cBhvr>
+                                        <p:cTn id="16" dur="1" fill="hold">
+                                          <p:stCondLst>
+                                            <p:cond delay="0"/>
+                                          </p:stCondLst>
+                                        </p:cTn>
+                                        <p:tgtEl>
+                                          <p:spTgt spid="17"/>
+                                        </p:tgtEl>
+                                        <p:attrNameLst>
+                                          <p:attrName>style.visibility</p:attrName>
+                                        </p:attrNameLst>
+                                      </p:cBhvr>
+                                      <p:to>
+                                        <p:strVal val="visible"/>
+                                      </p:to>
+                                    </p:set>
+                                    <p:animEffect transition="in" filter="circle(in)">
+                                      <p:cBhvr>
+                                        <p:cTn id="17" dur="2000"/>
+                                        <p:tgtEl>
+                                          <p:spTgt spid="17"/>
+                                        </p:tgtEl>
+                                      </p:cBhvr>
+                                    </p:animEffect>
+                                  </p:childTnLst>
+                                </p:cTn>
+                              </p:par>
+                            </p:childTnLst>
+                          </p:cTn>
+                        </p:par>
+                      </p:childTnLst>
+                    </p:cTn>
+                  </p:par>
+                </p:childTnLst>
+              </p:cTn>
+              <p:prevCondLst>
+                <p:cond evt="onPrev" delay="0">
+                  <p:tgtEl>
+                    <p:sldTgt/>
+                  </p:tgtEl>
+                </p:cond>
+              </p:prevCondLst>
+              <p:nextCondLst>
+                <p:cond evt="onNext" delay="0">
+                  <p:tgtEl>
+                    <p:sldTgt/>
+                  </p:tgtEl>
+                </p:cond>
+              </p:nextCondLst>
+            </p:seq>
+          </p:childTnLst>
+        </p:cTn>
+      </p:par>
+    </p:tnLst>
+    <p:bldLst>
+      <p:bldP spid="10" grpId="0"/>
+      <p:bldP spid="15" grpId="0"/>
+      <p:bldP spid="17" grpId="0"/>
+    </p:bldLst>
   </p:timing>
 </p:sld>
 </file>

--- a/MICHEL & CO.pptx
+++ b/MICHEL & CO.pptx
@@ -11,6 +11,7 @@
     <p:sldId id="260" r:id="rId5"/>
     <p:sldId id="261" r:id="rId6"/>
     <p:sldId id="262" r:id="rId7"/>
+    <p:sldId id="263" r:id="rId8"/>
   </p:sldIdLst>
   <p:sldSz cx="9144000" cy="6858000" type="screen4x3"/>
   <p:notesSz cx="6858000" cy="9144000"/>
@@ -293,7 +294,7 @@
           <a:p>
             <a:fld id="{12BBFE04-C0A0-4C31-9DB9-B72E335F5A7F}" type="datetimeFigureOut">
               <a:rPr lang="es-ES" smtClean="0"/>
-              <a:t>11/06/2024</a:t>
+              <a:t>12/06/2024</a:t>
             </a:fld>
             <a:endParaRPr lang="es-ES"/>
           </a:p>
@@ -463,7 +464,7 @@
           <a:p>
             <a:fld id="{12BBFE04-C0A0-4C31-9DB9-B72E335F5A7F}" type="datetimeFigureOut">
               <a:rPr lang="es-ES" smtClean="0"/>
-              <a:t>11/06/2024</a:t>
+              <a:t>12/06/2024</a:t>
             </a:fld>
             <a:endParaRPr lang="es-ES"/>
           </a:p>
@@ -643,7 +644,7 @@
           <a:p>
             <a:fld id="{12BBFE04-C0A0-4C31-9DB9-B72E335F5A7F}" type="datetimeFigureOut">
               <a:rPr lang="es-ES" smtClean="0"/>
-              <a:t>11/06/2024</a:t>
+              <a:t>12/06/2024</a:t>
             </a:fld>
             <a:endParaRPr lang="es-ES"/>
           </a:p>
@@ -813,7 +814,7 @@
           <a:p>
             <a:fld id="{12BBFE04-C0A0-4C31-9DB9-B72E335F5A7F}" type="datetimeFigureOut">
               <a:rPr lang="es-ES" smtClean="0"/>
-              <a:t>11/06/2024</a:t>
+              <a:t>12/06/2024</a:t>
             </a:fld>
             <a:endParaRPr lang="es-ES"/>
           </a:p>
@@ -1059,7 +1060,7 @@
           <a:p>
             <a:fld id="{12BBFE04-C0A0-4C31-9DB9-B72E335F5A7F}" type="datetimeFigureOut">
               <a:rPr lang="es-ES" smtClean="0"/>
-              <a:t>11/06/2024</a:t>
+              <a:t>12/06/2024</a:t>
             </a:fld>
             <a:endParaRPr lang="es-ES"/>
           </a:p>
@@ -1347,7 +1348,7 @@
           <a:p>
             <a:fld id="{12BBFE04-C0A0-4C31-9DB9-B72E335F5A7F}" type="datetimeFigureOut">
               <a:rPr lang="es-ES" smtClean="0"/>
-              <a:t>11/06/2024</a:t>
+              <a:t>12/06/2024</a:t>
             </a:fld>
             <a:endParaRPr lang="es-ES"/>
           </a:p>
@@ -1769,7 +1770,7 @@
           <a:p>
             <a:fld id="{12BBFE04-C0A0-4C31-9DB9-B72E335F5A7F}" type="datetimeFigureOut">
               <a:rPr lang="es-ES" smtClean="0"/>
-              <a:t>11/06/2024</a:t>
+              <a:t>12/06/2024</a:t>
             </a:fld>
             <a:endParaRPr lang="es-ES"/>
           </a:p>
@@ -1887,7 +1888,7 @@
           <a:p>
             <a:fld id="{12BBFE04-C0A0-4C31-9DB9-B72E335F5A7F}" type="datetimeFigureOut">
               <a:rPr lang="es-ES" smtClean="0"/>
-              <a:t>11/06/2024</a:t>
+              <a:t>12/06/2024</a:t>
             </a:fld>
             <a:endParaRPr lang="es-ES"/>
           </a:p>
@@ -1982,7 +1983,7 @@
           <a:p>
             <a:fld id="{12BBFE04-C0A0-4C31-9DB9-B72E335F5A7F}" type="datetimeFigureOut">
               <a:rPr lang="es-ES" smtClean="0"/>
-              <a:t>11/06/2024</a:t>
+              <a:t>12/06/2024</a:t>
             </a:fld>
             <a:endParaRPr lang="es-ES"/>
           </a:p>
@@ -2259,7 +2260,7 @@
           <a:p>
             <a:fld id="{12BBFE04-C0A0-4C31-9DB9-B72E335F5A7F}" type="datetimeFigureOut">
               <a:rPr lang="es-ES" smtClean="0"/>
-              <a:t>11/06/2024</a:t>
+              <a:t>12/06/2024</a:t>
             </a:fld>
             <a:endParaRPr lang="es-ES"/>
           </a:p>
@@ -2512,7 +2513,7 @@
           <a:p>
             <a:fld id="{12BBFE04-C0A0-4C31-9DB9-B72E335F5A7F}" type="datetimeFigureOut">
               <a:rPr lang="es-ES" smtClean="0"/>
-              <a:t>11/06/2024</a:t>
+              <a:t>12/06/2024</a:t>
             </a:fld>
             <a:endParaRPr lang="es-ES"/>
           </a:p>
@@ -2725,7 +2726,7 @@
           <a:p>
             <a:fld id="{12BBFE04-C0A0-4C31-9DB9-B72E335F5A7F}" type="datetimeFigureOut">
               <a:rPr lang="es-ES" smtClean="0"/>
-              <a:t>11/06/2024</a:t>
+              <a:t>12/06/2024</a:t>
             </a:fld>
             <a:endParaRPr lang="es-ES"/>
           </a:p>
@@ -5668,6 +5669,451 @@
 </p:sld>
 </file>
 
+<file path=ppt/slides/slide7.xml><?xml version="1.0" encoding="utf-8"?>
+<p:sld xmlns:a="http://schemas.openxmlformats.org/drawingml/2006/main" xmlns:r="http://schemas.openxmlformats.org/officeDocument/2006/relationships" xmlns:p="http://schemas.openxmlformats.org/presentationml/2006/main">
+  <p:cSld>
+    <p:spTree>
+      <p:nvGrpSpPr>
+        <p:cNvPr id="1" name=""/>
+        <p:cNvGrpSpPr/>
+        <p:nvPr/>
+      </p:nvGrpSpPr>
+      <p:grpSpPr>
+        <a:xfrm>
+          <a:off x="0" y="0"/>
+          <a:ext cx="0" cy="0"/>
+          <a:chOff x="0" y="0"/>
+          <a:chExt cx="0" cy="0"/>
+        </a:xfrm>
+      </p:grpSpPr>
+      <p:sp>
+        <p:nvSpPr>
+          <p:cNvPr id="2" name="1 Rectángulo"/>
+          <p:cNvSpPr/>
+          <p:nvPr/>
+        </p:nvSpPr>
+        <p:spPr>
+          <a:xfrm>
+            <a:off x="8100392" y="0"/>
+            <a:ext cx="1043608" cy="6858000"/>
+          </a:xfrm>
+          <a:prstGeom prst="rect">
+            <a:avLst/>
+          </a:prstGeom>
+        </p:spPr>
+        <p:style>
+          <a:lnRef idx="1">
+            <a:schemeClr val="accent1"/>
+          </a:lnRef>
+          <a:fillRef idx="3">
+            <a:schemeClr val="accent1"/>
+          </a:fillRef>
+          <a:effectRef idx="2">
+            <a:schemeClr val="accent1"/>
+          </a:effectRef>
+          <a:fontRef idx="minor">
+            <a:schemeClr val="lt1"/>
+          </a:fontRef>
+        </p:style>
+        <p:txBody>
+          <a:bodyPr rtlCol="0" anchor="ctr"/>
+          <a:lstStyle/>
+          <a:p>
+            <a:pPr algn="ctr"/>
+            <a:endParaRPr lang="es-ES">
+              <a:solidFill>
+                <a:schemeClr val="tx1">
+                  <a:lumMod val="50000"/>
+                  <a:lumOff val="50000"/>
+                </a:schemeClr>
+              </a:solidFill>
+            </a:endParaRPr>
+          </a:p>
+        </p:txBody>
+      </p:sp>
+      <p:pic>
+        <p:nvPicPr>
+          <p:cNvPr id="5" name="Picture 2" descr="C:\xampp2\htdocs\Proyecto\PROYECTO\imagenes\logo.png"/>
+          <p:cNvPicPr>
+            <a:picLocks noChangeAspect="1" noChangeArrowheads="1"/>
+          </p:cNvPicPr>
+          <p:nvPr/>
+        </p:nvPicPr>
+        <p:blipFill>
+          <a:blip r:embed="rId2" cstate="print">
+            <a:extLst>
+              <a:ext uri="{28A0092B-C50C-407E-A947-70E740481C1C}">
+                <a14:useLocalDpi xmlns:a14="http://schemas.microsoft.com/office/drawing/2010/main" val="0"/>
+              </a:ext>
+            </a:extLst>
+          </a:blip>
+          <a:srcRect/>
+          <a:stretch>
+            <a:fillRect/>
+          </a:stretch>
+        </p:blipFill>
+        <p:spPr bwMode="auto">
+          <a:xfrm>
+            <a:off x="8100392" y="0"/>
+            <a:ext cx="1043607" cy="1193056"/>
+          </a:xfrm>
+          <a:prstGeom prst="rect">
+            <a:avLst/>
+          </a:prstGeom>
+          <a:noFill/>
+          <a:extLst>
+            <a:ext uri="{909E8E84-426E-40DD-AFC4-6F175D3DCCD1}">
+              <a14:hiddenFill xmlns:a14="http://schemas.microsoft.com/office/drawing/2010/main">
+                <a:solidFill>
+                  <a:srgbClr val="FFFFFF"/>
+                </a:solidFill>
+              </a14:hiddenFill>
+            </a:ext>
+          </a:extLst>
+        </p:spPr>
+      </p:pic>
+      <p:sp>
+        <p:nvSpPr>
+          <p:cNvPr id="9" name="2 Título"/>
+          <p:cNvSpPr txBox="1">
+            <a:spLocks/>
+          </p:cNvSpPr>
+          <p:nvPr/>
+        </p:nvSpPr>
+        <p:spPr>
+          <a:xfrm>
+            <a:off x="187896" y="269033"/>
+            <a:ext cx="7912496" cy="567679"/>
+          </a:xfrm>
+          <a:prstGeom prst="rect">
+            <a:avLst/>
+          </a:prstGeom>
+        </p:spPr>
+        <p:txBody>
+          <a:bodyPr vert="horz" lIns="91440" tIns="45720" rIns="91440" bIns="45720" rtlCol="0" anchor="ctr">
+            <a:noAutofit/>
+          </a:bodyPr>
+          <a:lstStyle>
+            <a:lvl1pPr algn="ctr" defTabSz="914400" rtl="0" eaLnBrk="1" latinLnBrk="0" hangingPunct="1">
+              <a:spcBef>
+                <a:spcPct val="0"/>
+              </a:spcBef>
+              <a:buNone/>
+              <a:defRPr sz="4400" kern="1200">
+                <a:solidFill>
+                  <a:schemeClr val="tx1"/>
+                </a:solidFill>
+                <a:latin typeface="+mj-lt"/>
+                <a:ea typeface="+mj-ea"/>
+                <a:cs typeface="+mj-cs"/>
+              </a:defRPr>
+            </a:lvl1pPr>
+          </a:lstStyle>
+          <a:p>
+            <a:r>
+              <a:rPr lang="es-ES" sz="3000" dirty="0" smtClean="0">
+                <a:latin typeface="Times New Roman" pitchFamily="18" charset="0"/>
+                <a:cs typeface="Times New Roman" pitchFamily="18" charset="0"/>
+              </a:rPr>
+              <a:t>Mejoras a futuro</a:t>
+            </a:r>
+            <a:endParaRPr lang="es-ES" sz="3000" dirty="0">
+              <a:latin typeface="Times New Roman" pitchFamily="18" charset="0"/>
+              <a:cs typeface="Times New Roman" pitchFamily="18" charset="0"/>
+            </a:endParaRPr>
+          </a:p>
+        </p:txBody>
+      </p:sp>
+      <p:sp>
+        <p:nvSpPr>
+          <p:cNvPr id="10" name="9 CuadroTexto"/>
+          <p:cNvSpPr txBox="1"/>
+          <p:nvPr/>
+        </p:nvSpPr>
+        <p:spPr>
+          <a:xfrm>
+            <a:off x="530924" y="2187850"/>
+            <a:ext cx="6912768" cy="461665"/>
+          </a:xfrm>
+          <a:prstGeom prst="rect">
+            <a:avLst/>
+          </a:prstGeom>
+          <a:noFill/>
+        </p:spPr>
+        <p:txBody>
+          <a:bodyPr wrap="square" rtlCol="0">
+            <a:spAutoFit/>
+          </a:bodyPr>
+          <a:lstStyle/>
+          <a:p>
+            <a:pPr marL="285750" indent="-285750">
+              <a:buFont typeface="Arial" pitchFamily="34" charset="0"/>
+              <a:buChar char="•"/>
+            </a:pPr>
+            <a:r>
+              <a:rPr lang="es-ES" sz="2400" dirty="0" smtClean="0">
+                <a:latin typeface="Times New Roman" pitchFamily="18" charset="0"/>
+                <a:cs typeface="Times New Roman" pitchFamily="18" charset="0"/>
+              </a:rPr>
+              <a:t>Valoraciones y opiniones</a:t>
+            </a:r>
+            <a:endParaRPr lang="es-ES" sz="2400" dirty="0">
+              <a:latin typeface="Times New Roman" pitchFamily="18" charset="0"/>
+              <a:cs typeface="Times New Roman" pitchFamily="18" charset="0"/>
+            </a:endParaRPr>
+          </a:p>
+        </p:txBody>
+      </p:sp>
+      <p:sp>
+        <p:nvSpPr>
+          <p:cNvPr id="15" name="14 CuadroTexto"/>
+          <p:cNvSpPr txBox="1"/>
+          <p:nvPr/>
+        </p:nvSpPr>
+        <p:spPr>
+          <a:xfrm>
+            <a:off x="539552" y="2772821"/>
+            <a:ext cx="6984776" cy="461665"/>
+          </a:xfrm>
+          <a:prstGeom prst="rect">
+            <a:avLst/>
+          </a:prstGeom>
+          <a:noFill/>
+        </p:spPr>
+        <p:txBody>
+          <a:bodyPr wrap="square" rtlCol="0">
+            <a:spAutoFit/>
+          </a:bodyPr>
+          <a:lstStyle/>
+          <a:p>
+            <a:pPr marL="285750" indent="-285750">
+              <a:buFont typeface="Arial" pitchFamily="34" charset="0"/>
+              <a:buChar char="•"/>
+            </a:pPr>
+            <a:r>
+              <a:rPr lang="es-ES" sz="2400" dirty="0" smtClean="0">
+                <a:latin typeface="Times New Roman" pitchFamily="18" charset="0"/>
+                <a:cs typeface="Times New Roman" pitchFamily="18" charset="0"/>
+              </a:rPr>
+              <a:t>Descripción más detallada</a:t>
+            </a:r>
+            <a:endParaRPr lang="es-ES" sz="2400" dirty="0">
+              <a:latin typeface="Times New Roman" pitchFamily="18" charset="0"/>
+              <a:cs typeface="Times New Roman" pitchFamily="18" charset="0"/>
+            </a:endParaRPr>
+          </a:p>
+        </p:txBody>
+      </p:sp>
+      <p:sp>
+        <p:nvSpPr>
+          <p:cNvPr id="11" name="10 Rectángulo"/>
+          <p:cNvSpPr/>
+          <p:nvPr/>
+        </p:nvSpPr>
+        <p:spPr>
+          <a:xfrm>
+            <a:off x="554987" y="886557"/>
+            <a:ext cx="7344815" cy="45719"/>
+          </a:xfrm>
+          <a:prstGeom prst="rect">
+            <a:avLst/>
+          </a:prstGeom>
+          <a:ln>
+            <a:solidFill>
+              <a:schemeClr val="accent1"/>
+            </a:solidFill>
+          </a:ln>
+        </p:spPr>
+        <p:style>
+          <a:lnRef idx="2">
+            <a:schemeClr val="accent1">
+              <a:shade val="50000"/>
+            </a:schemeClr>
+          </a:lnRef>
+          <a:fillRef idx="1">
+            <a:schemeClr val="accent1"/>
+          </a:fillRef>
+          <a:effectRef idx="0">
+            <a:schemeClr val="accent1"/>
+          </a:effectRef>
+          <a:fontRef idx="minor">
+            <a:schemeClr val="lt1"/>
+          </a:fontRef>
+        </p:style>
+        <p:txBody>
+          <a:bodyPr rtlCol="0" anchor="ctr"/>
+          <a:lstStyle/>
+          <a:p>
+            <a:pPr algn="ctr"/>
+            <a:endParaRPr lang="es-ES"/>
+          </a:p>
+        </p:txBody>
+      </p:sp>
+    </p:spTree>
+    <p:extLst>
+      <p:ext uri="{BB962C8B-B14F-4D97-AF65-F5344CB8AC3E}">
+        <p14:creationId xmlns:p14="http://schemas.microsoft.com/office/powerpoint/2010/main" val="1823762484"/>
+      </p:ext>
+    </p:extLst>
+  </p:cSld>
+  <p:clrMapOvr>
+    <a:masterClrMapping/>
+  </p:clrMapOvr>
+  <mc:AlternateContent xmlns:mc="http://schemas.openxmlformats.org/markup-compatibility/2006" xmlns:p14="http://schemas.microsoft.com/office/powerpoint/2010/main">
+    <mc:Choice Requires="p14">
+      <p:transition spd="slow" p14:dur="3400">
+        <p14:reveal/>
+      </p:transition>
+    </mc:Choice>
+    <mc:Fallback xmlns="">
+      <p:transition spd="slow">
+        <p:fade/>
+      </p:transition>
+    </mc:Fallback>
+  </mc:AlternateContent>
+  <p:timing>
+    <p:tnLst>
+      <p:par>
+        <p:cTn id="1" dur="indefinite" restart="never" nodeType="tmRoot">
+          <p:childTnLst>
+            <p:seq concurrent="1" nextAc="seek">
+              <p:cTn id="2" dur="indefinite" nodeType="mainSeq">
+                <p:childTnLst>
+                  <p:par>
+                    <p:cTn id="3" fill="hold">
+                      <p:stCondLst>
+                        <p:cond delay="indefinite"/>
+                      </p:stCondLst>
+                      <p:childTnLst>
+                        <p:par>
+                          <p:cTn id="4" fill="hold">
+                            <p:stCondLst>
+                              <p:cond delay="0"/>
+                            </p:stCondLst>
+                            <p:childTnLst>
+                              <p:par>
+                                <p:cTn id="5" presetID="6" presetClass="entr" presetSubtype="16" fill="hold" grpId="0" nodeType="clickEffect">
+                                  <p:stCondLst>
+                                    <p:cond delay="0"/>
+                                  </p:stCondLst>
+                                  <p:childTnLst>
+                                    <p:set>
+                                      <p:cBhvr>
+                                        <p:cTn id="6" dur="1" fill="hold">
+                                          <p:stCondLst>
+                                            <p:cond delay="0"/>
+                                          </p:stCondLst>
+                                        </p:cTn>
+                                        <p:tgtEl>
+                                          <p:spTgt spid="10"/>
+                                        </p:tgtEl>
+                                        <p:attrNameLst>
+                                          <p:attrName>style.visibility</p:attrName>
+                                        </p:attrNameLst>
+                                      </p:cBhvr>
+                                      <p:to>
+                                        <p:strVal val="visible"/>
+                                      </p:to>
+                                    </p:set>
+                                    <p:animEffect transition="in" filter="circle(in)">
+                                      <p:cBhvr>
+                                        <p:cTn id="7" dur="2000"/>
+                                        <p:tgtEl>
+                                          <p:spTgt spid="10"/>
+                                        </p:tgtEl>
+                                      </p:cBhvr>
+                                    </p:animEffect>
+                                  </p:childTnLst>
+                                </p:cTn>
+                              </p:par>
+                            </p:childTnLst>
+                          </p:cTn>
+                        </p:par>
+                      </p:childTnLst>
+                    </p:cTn>
+                  </p:par>
+                  <p:par>
+                    <p:cTn id="8" fill="hold">
+                      <p:stCondLst>
+                        <p:cond delay="indefinite"/>
+                      </p:stCondLst>
+                      <p:childTnLst>
+                        <p:par>
+                          <p:cTn id="9" fill="hold">
+                            <p:stCondLst>
+                              <p:cond delay="0"/>
+                            </p:stCondLst>
+                            <p:childTnLst>
+                              <p:par>
+                                <p:cTn id="10" presetID="6" presetClass="entr" presetSubtype="16" fill="hold" grpId="0" nodeType="clickEffect">
+                                  <p:stCondLst>
+                                    <p:cond delay="0"/>
+                                  </p:stCondLst>
+                                  <p:childTnLst>
+                                    <p:set>
+                                      <p:cBhvr>
+                                        <p:cTn id="11" dur="1" fill="hold">
+                                          <p:stCondLst>
+                                            <p:cond delay="0"/>
+                                          </p:stCondLst>
+                                        </p:cTn>
+                                        <p:tgtEl>
+                                          <p:spTgt spid="15"/>
+                                        </p:tgtEl>
+                                        <p:attrNameLst>
+                                          <p:attrName>style.visibility</p:attrName>
+                                        </p:attrNameLst>
+                                      </p:cBhvr>
+                                      <p:to>
+                                        <p:strVal val="visible"/>
+                                      </p:to>
+                                    </p:set>
+                                    <p:animEffect transition="in" filter="circle(in)">
+                                      <p:cBhvr>
+                                        <p:cTn id="12" dur="2000"/>
+                                        <p:tgtEl>
+                                          <p:spTgt spid="15"/>
+                                        </p:tgtEl>
+                                      </p:cBhvr>
+                                    </p:animEffect>
+                                  </p:childTnLst>
+                                </p:cTn>
+                              </p:par>
+                            </p:childTnLst>
+                          </p:cTn>
+                        </p:par>
+                      </p:childTnLst>
+                    </p:cTn>
+                  </p:par>
+                </p:childTnLst>
+              </p:cTn>
+              <p:prevCondLst>
+                <p:cond evt="onPrev" delay="0">
+                  <p:tgtEl>
+                    <p:sldTgt/>
+                  </p:tgtEl>
+                </p:cond>
+              </p:prevCondLst>
+              <p:nextCondLst>
+                <p:cond evt="onNext" delay="0">
+                  <p:tgtEl>
+                    <p:sldTgt/>
+                  </p:tgtEl>
+                </p:cond>
+              </p:nextCondLst>
+            </p:seq>
+          </p:childTnLst>
+        </p:cTn>
+      </p:par>
+    </p:tnLst>
+    <p:bldLst>
+      <p:bldP spid="10" grpId="0"/>
+      <p:bldP spid="15" grpId="0"/>
+    </p:bldLst>
+  </p:timing>
+</p:sld>
+</file>
+
 <file path=ppt/theme/theme1.xml><?xml version="1.0" encoding="utf-8"?>
 <a:theme xmlns:a="http://schemas.openxmlformats.org/drawingml/2006/main" name="Tema de Office">
   <a:themeElements>
